--- a/Bloque 2 - Instalación/Taller8 - Lanzar Apps a depuración.pptx
+++ b/Bloque 2 - Instalación/Taller8 - Lanzar Apps a depuración.pptx
@@ -6,11 +6,15 @@
     <p:sldMasterId id="2147483793" r:id="rId2"/>
   </p:sldMasterIdLst>
   <p:notesMasterIdLst>
-    <p:notesMasterId r:id="rId5"/>
+    <p:notesMasterId r:id="rId9"/>
   </p:notesMasterIdLst>
   <p:sldIdLst>
     <p:sldId id="291" r:id="rId3"/>
-    <p:sldId id="282" r:id="rId4"/>
+    <p:sldId id="2147469519" r:id="rId4"/>
+    <p:sldId id="2147469507" r:id="rId5"/>
+    <p:sldId id="2147469520" r:id="rId6"/>
+    <p:sldId id="2147469521" r:id="rId7"/>
+    <p:sldId id="282" r:id="rId8"/>
   </p:sldIdLst>
   <p:sldSz cx="12192000" cy="6858000"/>
   <p:notesSz cx="6858000" cy="9144000"/>
@@ -3449,7 +3453,7 @@
           <a:p>
             <a:fld id="{A334C884-B1D7-A043-A4AA-521744755A4B}" type="datetimeFigureOut">
               <a:rPr lang="en-US" smtClean="0"/>
-              <a:t>4/2/2022</a:t>
+              <a:t>4/18/2022</a:t>
             </a:fld>
             <a:endParaRPr lang="en-US"/>
           </a:p>
@@ -3760,6 +3764,328 @@
           <a:bodyPr/>
           <a:lstStyle/>
           <a:p>
+            <a:pPr marL="0" marR="0" lvl="0" indent="0" algn="l" defTabSz="914400" rtl="0" eaLnBrk="1" fontAlgn="auto" latinLnBrk="0" hangingPunct="1">
+              <a:lnSpc>
+                <a:spcPct val="100000"/>
+              </a:lnSpc>
+              <a:spcBef>
+                <a:spcPts val="0"/>
+              </a:spcBef>
+              <a:spcAft>
+                <a:spcPts val="0"/>
+              </a:spcAft>
+              <a:buClrTx/>
+              <a:buSzTx/>
+              <a:buFontTx/>
+              <a:buNone/>
+              <a:tabLst/>
+              <a:defRPr/>
+            </a:pPr>
+            <a:endParaRPr lang="en-US" dirty="0"/>
+          </a:p>
+        </p:txBody>
+      </p:sp>
+      <p:sp>
+        <p:nvSpPr>
+          <p:cNvPr id="4" name="Slide Number Placeholder 3"/>
+          <p:cNvSpPr>
+            <a:spLocks noGrp="1"/>
+          </p:cNvSpPr>
+          <p:nvPr>
+            <p:ph type="sldNum" sz="quarter" idx="5"/>
+          </p:nvPr>
+        </p:nvSpPr>
+        <p:spPr/>
+        <p:txBody>
+          <a:bodyPr/>
+          <a:lstStyle/>
+          <a:p>
+            <a:pPr marL="0" marR="0" lvl="0" indent="0" algn="r" defTabSz="914400" rtl="0" eaLnBrk="1" fontAlgn="auto" latinLnBrk="0" hangingPunct="1">
+              <a:lnSpc>
+                <a:spcPct val="100000"/>
+              </a:lnSpc>
+              <a:spcBef>
+                <a:spcPts val="0"/>
+              </a:spcBef>
+              <a:spcAft>
+                <a:spcPts val="0"/>
+              </a:spcAft>
+              <a:buClrTx/>
+              <a:buSzTx/>
+              <a:buFontTx/>
+              <a:buNone/>
+              <a:tabLst/>
+              <a:defRPr/>
+            </a:pPr>
+            <a:fld id="{F14E7EBF-8FEE-4079-889B-EEE134D3083A}" type="slidenum">
+              <a:rPr kumimoji="0" lang="en-US" sz="1200" b="0" i="0" u="none" strike="noStrike" kern="1200" cap="none" spc="0" normalizeH="0" baseline="0" noProof="0" smtClean="0">
+                <a:ln>
+                  <a:noFill/>
+                </a:ln>
+                <a:solidFill>
+                  <a:prstClr val="black"/>
+                </a:solidFill>
+                <a:effectLst/>
+                <a:uLnTx/>
+                <a:uFillTx/>
+                <a:latin typeface="Calibri" panose="020F0502020204030204"/>
+                <a:ea typeface="+mn-ea"/>
+                <a:cs typeface="+mn-cs"/>
+              </a:rPr>
+              <a:pPr marL="0" marR="0" lvl="0" indent="0" algn="r" defTabSz="914400" rtl="0" eaLnBrk="1" fontAlgn="auto" latinLnBrk="0" hangingPunct="1">
+                <a:lnSpc>
+                  <a:spcPct val="100000"/>
+                </a:lnSpc>
+                <a:spcBef>
+                  <a:spcPts val="0"/>
+                </a:spcBef>
+                <a:spcAft>
+                  <a:spcPts val="0"/>
+                </a:spcAft>
+                <a:buClrTx/>
+                <a:buSzTx/>
+                <a:buFontTx/>
+                <a:buNone/>
+                <a:tabLst/>
+                <a:defRPr/>
+              </a:pPr>
+              <a:t>3</a:t>
+            </a:fld>
+            <a:endParaRPr kumimoji="0" lang="en-US" sz="1200" b="0" i="0" u="none" strike="noStrike" kern="1200" cap="none" spc="0" normalizeH="0" baseline="0" noProof="0">
+              <a:ln>
+                <a:noFill/>
+              </a:ln>
+              <a:solidFill>
+                <a:prstClr val="black"/>
+              </a:solidFill>
+              <a:effectLst/>
+              <a:uLnTx/>
+              <a:uFillTx/>
+              <a:latin typeface="Calibri" panose="020F0502020204030204"/>
+              <a:ea typeface="+mn-ea"/>
+              <a:cs typeface="+mn-cs"/>
+            </a:endParaRPr>
+          </a:p>
+        </p:txBody>
+      </p:sp>
+    </p:spTree>
+    <p:extLst>
+      <p:ext uri="{BB962C8B-B14F-4D97-AF65-F5344CB8AC3E}">
+        <p14:creationId xmlns:p14="http://schemas.microsoft.com/office/powerpoint/2010/main" val="458497798"/>
+      </p:ext>
+    </p:extLst>
+  </p:cSld>
+  <p:clrMapOvr>
+    <a:masterClrMapping/>
+  </p:clrMapOvr>
+</p:notes>
+</file>
+
+<file path=ppt/notesSlides/notesSlide2.xml><?xml version="1.0" encoding="utf-8"?>
+<p:notes xmlns:a="http://schemas.openxmlformats.org/drawingml/2006/main" xmlns:r="http://schemas.openxmlformats.org/officeDocument/2006/relationships" xmlns:p="http://schemas.openxmlformats.org/presentationml/2006/main">
+  <p:cSld>
+    <p:spTree>
+      <p:nvGrpSpPr>
+        <p:cNvPr id="1" name=""/>
+        <p:cNvGrpSpPr/>
+        <p:nvPr/>
+      </p:nvGrpSpPr>
+      <p:grpSpPr>
+        <a:xfrm>
+          <a:off x="0" y="0"/>
+          <a:ext cx="0" cy="0"/>
+          <a:chOff x="0" y="0"/>
+          <a:chExt cx="0" cy="0"/>
+        </a:xfrm>
+      </p:grpSpPr>
+      <p:sp>
+        <p:nvSpPr>
+          <p:cNvPr id="2" name="Slide Image Placeholder 1"/>
+          <p:cNvSpPr>
+            <a:spLocks noGrp="1" noRot="1" noChangeAspect="1"/>
+          </p:cNvSpPr>
+          <p:nvPr>
+            <p:ph type="sldImg"/>
+          </p:nvPr>
+        </p:nvSpPr>
+        <p:spPr/>
+      </p:sp>
+      <p:sp>
+        <p:nvSpPr>
+          <p:cNvPr id="3" name="Notes Placeholder 2"/>
+          <p:cNvSpPr>
+            <a:spLocks noGrp="1"/>
+          </p:cNvSpPr>
+          <p:nvPr>
+            <p:ph type="body" idx="1"/>
+          </p:nvPr>
+        </p:nvSpPr>
+        <p:spPr/>
+        <p:txBody>
+          <a:bodyPr/>
+          <a:lstStyle/>
+          <a:p>
+            <a:pPr marL="0" marR="0" lvl="0" indent="0" algn="l" defTabSz="914400" rtl="0" eaLnBrk="1" fontAlgn="auto" latinLnBrk="0" hangingPunct="1">
+              <a:lnSpc>
+                <a:spcPct val="100000"/>
+              </a:lnSpc>
+              <a:spcBef>
+                <a:spcPts val="0"/>
+              </a:spcBef>
+              <a:spcAft>
+                <a:spcPts val="0"/>
+              </a:spcAft>
+              <a:buClrTx/>
+              <a:buSzTx/>
+              <a:buFontTx/>
+              <a:buNone/>
+              <a:tabLst/>
+              <a:defRPr/>
+            </a:pPr>
+            <a:endParaRPr lang="en-US" dirty="0"/>
+          </a:p>
+        </p:txBody>
+      </p:sp>
+      <p:sp>
+        <p:nvSpPr>
+          <p:cNvPr id="4" name="Slide Number Placeholder 3"/>
+          <p:cNvSpPr>
+            <a:spLocks noGrp="1"/>
+          </p:cNvSpPr>
+          <p:nvPr>
+            <p:ph type="sldNum" sz="quarter" idx="5"/>
+          </p:nvPr>
+        </p:nvSpPr>
+        <p:spPr/>
+        <p:txBody>
+          <a:bodyPr/>
+          <a:lstStyle/>
+          <a:p>
+            <a:pPr marL="0" marR="0" lvl="0" indent="0" algn="r" defTabSz="914400" rtl="0" eaLnBrk="1" fontAlgn="auto" latinLnBrk="0" hangingPunct="1">
+              <a:lnSpc>
+                <a:spcPct val="100000"/>
+              </a:lnSpc>
+              <a:spcBef>
+                <a:spcPts val="0"/>
+              </a:spcBef>
+              <a:spcAft>
+                <a:spcPts val="0"/>
+              </a:spcAft>
+              <a:buClrTx/>
+              <a:buSzTx/>
+              <a:buFontTx/>
+              <a:buNone/>
+              <a:tabLst/>
+              <a:defRPr/>
+            </a:pPr>
+            <a:fld id="{F14E7EBF-8FEE-4079-889B-EEE134D3083A}" type="slidenum">
+              <a:rPr kumimoji="0" lang="en-US" sz="1200" b="0" i="0" u="none" strike="noStrike" kern="1200" cap="none" spc="0" normalizeH="0" baseline="0" noProof="0" smtClean="0">
+                <a:ln>
+                  <a:noFill/>
+                </a:ln>
+                <a:solidFill>
+                  <a:prstClr val="black"/>
+                </a:solidFill>
+                <a:effectLst/>
+                <a:uLnTx/>
+                <a:uFillTx/>
+                <a:latin typeface="Calibri" panose="020F0502020204030204"/>
+                <a:ea typeface="+mn-ea"/>
+                <a:cs typeface="+mn-cs"/>
+              </a:rPr>
+              <a:pPr marL="0" marR="0" lvl="0" indent="0" algn="r" defTabSz="914400" rtl="0" eaLnBrk="1" fontAlgn="auto" latinLnBrk="0" hangingPunct="1">
+                <a:lnSpc>
+                  <a:spcPct val="100000"/>
+                </a:lnSpc>
+                <a:spcBef>
+                  <a:spcPts val="0"/>
+                </a:spcBef>
+                <a:spcAft>
+                  <a:spcPts val="0"/>
+                </a:spcAft>
+                <a:buClrTx/>
+                <a:buSzTx/>
+                <a:buFontTx/>
+                <a:buNone/>
+                <a:tabLst/>
+                <a:defRPr/>
+              </a:pPr>
+              <a:t>5</a:t>
+            </a:fld>
+            <a:endParaRPr kumimoji="0" lang="en-US" sz="1200" b="0" i="0" u="none" strike="noStrike" kern="1200" cap="none" spc="0" normalizeH="0" baseline="0" noProof="0">
+              <a:ln>
+                <a:noFill/>
+              </a:ln>
+              <a:solidFill>
+                <a:prstClr val="black"/>
+              </a:solidFill>
+              <a:effectLst/>
+              <a:uLnTx/>
+              <a:uFillTx/>
+              <a:latin typeface="Calibri" panose="020F0502020204030204"/>
+              <a:ea typeface="+mn-ea"/>
+              <a:cs typeface="+mn-cs"/>
+            </a:endParaRPr>
+          </a:p>
+        </p:txBody>
+      </p:sp>
+    </p:spTree>
+    <p:extLst>
+      <p:ext uri="{BB962C8B-B14F-4D97-AF65-F5344CB8AC3E}">
+        <p14:creationId xmlns:p14="http://schemas.microsoft.com/office/powerpoint/2010/main" val="3591988113"/>
+      </p:ext>
+    </p:extLst>
+  </p:cSld>
+  <p:clrMapOvr>
+    <a:masterClrMapping/>
+  </p:clrMapOvr>
+</p:notes>
+</file>
+
+<file path=ppt/notesSlides/notesSlide3.xml><?xml version="1.0" encoding="utf-8"?>
+<p:notes xmlns:a="http://schemas.openxmlformats.org/drawingml/2006/main" xmlns:r="http://schemas.openxmlformats.org/officeDocument/2006/relationships" xmlns:p="http://schemas.openxmlformats.org/presentationml/2006/main">
+  <p:cSld>
+    <p:spTree>
+      <p:nvGrpSpPr>
+        <p:cNvPr id="1" name=""/>
+        <p:cNvGrpSpPr/>
+        <p:nvPr/>
+      </p:nvGrpSpPr>
+      <p:grpSpPr>
+        <a:xfrm>
+          <a:off x="0" y="0"/>
+          <a:ext cx="0" cy="0"/>
+          <a:chOff x="0" y="0"/>
+          <a:chExt cx="0" cy="0"/>
+        </a:xfrm>
+      </p:grpSpPr>
+      <p:sp>
+        <p:nvSpPr>
+          <p:cNvPr id="2" name="Slide Image Placeholder 1"/>
+          <p:cNvSpPr>
+            <a:spLocks noGrp="1" noRot="1" noChangeAspect="1"/>
+          </p:cNvSpPr>
+          <p:nvPr>
+            <p:ph type="sldImg"/>
+          </p:nvPr>
+        </p:nvSpPr>
+        <p:spPr/>
+      </p:sp>
+      <p:sp>
+        <p:nvSpPr>
+          <p:cNvPr id="3" name="Notes Placeholder 2"/>
+          <p:cNvSpPr>
+            <a:spLocks noGrp="1"/>
+          </p:cNvSpPr>
+          <p:nvPr>
+            <p:ph type="body" idx="1"/>
+          </p:nvPr>
+        </p:nvSpPr>
+        <p:spPr/>
+        <p:txBody>
+          <a:bodyPr/>
+          <a:lstStyle/>
+          <a:p>
             <a:endParaRPr lang="en-US" dirty="0"/>
           </a:p>
         </p:txBody>
@@ -3835,7 +4161,7 @@
           <a:p>
             <a:fld id="{E74353ED-ACB2-44BF-A903-985B0AF962B7}" type="datetime1">
               <a:rPr lang="en-US" smtClean="0"/>
-              <a:t>4/2/2022</a:t>
+              <a:t>4/18/2022</a:t>
             </a:fld>
             <a:endParaRPr lang="en-US" dirty="0"/>
           </a:p>
@@ -3859,7 +4185,7 @@
             <a:fld id="{B4008EB6-D09E-4580-8CD6-DDB14511944F}" type="slidenum">
               <a:rPr lang="en-US" smtClean="0"/>
               <a:pPr/>
-              <a:t>2</a:t>
+              <a:t>6</a:t>
             </a:fld>
             <a:endParaRPr lang="en-US" dirty="0"/>
           </a:p>
@@ -6411,6 +6737,204 @@
 </file>
 
 <file path=ppt/slideLayouts/slideLayout16.xml><?xml version="1.0" encoding="utf-8"?>
+<p:sldLayout xmlns:a="http://schemas.openxmlformats.org/drawingml/2006/main" xmlns:r="http://schemas.openxmlformats.org/officeDocument/2006/relationships" xmlns:p="http://schemas.openxmlformats.org/presentationml/2006/main" type="obj">
+  <p:cSld name="1_Title and Content">
+    <p:spTree>
+      <p:nvGrpSpPr>
+        <p:cNvPr id="1" name=""/>
+        <p:cNvGrpSpPr/>
+        <p:nvPr/>
+      </p:nvGrpSpPr>
+      <p:grpSpPr>
+        <a:xfrm>
+          <a:off x="0" y="0"/>
+          <a:ext cx="0" cy="0"/>
+          <a:chOff x="0" y="0"/>
+          <a:chExt cx="0" cy="0"/>
+        </a:xfrm>
+      </p:grpSpPr>
+      <p:sp>
+        <p:nvSpPr>
+          <p:cNvPr id="2" name="Title 1">
+            <a:extLst>
+              <a:ext uri="{FF2B5EF4-FFF2-40B4-BE49-F238E27FC236}">
+                <a16:creationId xmlns:a16="http://schemas.microsoft.com/office/drawing/2014/main" id="{CB6399F2-9FD3-8B4E-8048-995480BDB88F}"/>
+              </a:ext>
+            </a:extLst>
+          </p:cNvPr>
+          <p:cNvSpPr>
+            <a:spLocks noGrp="1"/>
+          </p:cNvSpPr>
+          <p:nvPr>
+            <p:ph type="title"/>
+          </p:nvPr>
+        </p:nvSpPr>
+        <p:spPr/>
+        <p:txBody>
+          <a:bodyPr/>
+          <a:lstStyle/>
+          <a:p>
+            <a:r>
+              <a:rPr lang="en-US"/>
+              <a:t>Click to edit Master title style</a:t>
+            </a:r>
+          </a:p>
+        </p:txBody>
+      </p:sp>
+      <p:sp>
+        <p:nvSpPr>
+          <p:cNvPr id="3" name="Content Placeholder 2">
+            <a:extLst>
+              <a:ext uri="{FF2B5EF4-FFF2-40B4-BE49-F238E27FC236}">
+                <a16:creationId xmlns:a16="http://schemas.microsoft.com/office/drawing/2014/main" id="{AAB54250-677E-6B4A-9CDF-D7632551AA79}"/>
+              </a:ext>
+            </a:extLst>
+          </p:cNvPr>
+          <p:cNvSpPr>
+            <a:spLocks noGrp="1"/>
+          </p:cNvSpPr>
+          <p:nvPr>
+            <p:ph idx="1"/>
+          </p:nvPr>
+        </p:nvSpPr>
+        <p:spPr/>
+        <p:txBody>
+          <a:bodyPr/>
+          <a:lstStyle/>
+          <a:p>
+            <a:pPr lvl="0"/>
+            <a:r>
+              <a:rPr lang="en-US"/>
+              <a:t>Click to edit Master text styles</a:t>
+            </a:r>
+          </a:p>
+          <a:p>
+            <a:pPr lvl="1"/>
+            <a:r>
+              <a:rPr lang="en-US"/>
+              <a:t>Second level</a:t>
+            </a:r>
+          </a:p>
+          <a:p>
+            <a:pPr lvl="2"/>
+            <a:r>
+              <a:rPr lang="en-US"/>
+              <a:t>Third level</a:t>
+            </a:r>
+          </a:p>
+          <a:p>
+            <a:pPr lvl="3"/>
+            <a:r>
+              <a:rPr lang="en-US"/>
+              <a:t>Fourth level</a:t>
+            </a:r>
+          </a:p>
+          <a:p>
+            <a:pPr lvl="4"/>
+            <a:r>
+              <a:rPr lang="en-US"/>
+              <a:t>Fifth level</a:t>
+            </a:r>
+          </a:p>
+        </p:txBody>
+      </p:sp>
+      <p:sp>
+        <p:nvSpPr>
+          <p:cNvPr id="4" name="Date Placeholder 3">
+            <a:extLst>
+              <a:ext uri="{FF2B5EF4-FFF2-40B4-BE49-F238E27FC236}">
+                <a16:creationId xmlns:a16="http://schemas.microsoft.com/office/drawing/2014/main" id="{C99FCBBF-D6D0-BC4D-AB0A-B11358ED6DBC}"/>
+              </a:ext>
+            </a:extLst>
+          </p:cNvPr>
+          <p:cNvSpPr>
+            <a:spLocks noGrp="1"/>
+          </p:cNvSpPr>
+          <p:nvPr>
+            <p:ph type="dt" sz="half" idx="10"/>
+          </p:nvPr>
+        </p:nvSpPr>
+        <p:spPr/>
+        <p:txBody>
+          <a:bodyPr/>
+          <a:lstStyle/>
+          <a:p>
+            <a:fld id="{0A627400-D089-7447-864B-77479EBD4214}" type="datetimeFigureOut">
+              <a:rPr lang="en-US" smtClean="0"/>
+              <a:t>4/18/2022</a:t>
+            </a:fld>
+            <a:endParaRPr lang="en-US"/>
+          </a:p>
+        </p:txBody>
+      </p:sp>
+      <p:sp>
+        <p:nvSpPr>
+          <p:cNvPr id="5" name="Footer Placeholder 4">
+            <a:extLst>
+              <a:ext uri="{FF2B5EF4-FFF2-40B4-BE49-F238E27FC236}">
+                <a16:creationId xmlns:a16="http://schemas.microsoft.com/office/drawing/2014/main" id="{DE3FDE89-536E-3147-B351-C6AFED60EC04}"/>
+              </a:ext>
+            </a:extLst>
+          </p:cNvPr>
+          <p:cNvSpPr>
+            <a:spLocks noGrp="1"/>
+          </p:cNvSpPr>
+          <p:nvPr>
+            <p:ph type="ftr" sz="quarter" idx="11"/>
+          </p:nvPr>
+        </p:nvSpPr>
+        <p:spPr/>
+        <p:txBody>
+          <a:bodyPr/>
+          <a:lstStyle/>
+          <a:p>
+            <a:endParaRPr lang="en-US"/>
+          </a:p>
+        </p:txBody>
+      </p:sp>
+      <p:sp>
+        <p:nvSpPr>
+          <p:cNvPr id="6" name="Slide Number Placeholder 5">
+            <a:extLst>
+              <a:ext uri="{FF2B5EF4-FFF2-40B4-BE49-F238E27FC236}">
+                <a16:creationId xmlns:a16="http://schemas.microsoft.com/office/drawing/2014/main" id="{6D5BF063-6C5B-EA48-8839-3A445E637FA8}"/>
+              </a:ext>
+            </a:extLst>
+          </p:cNvPr>
+          <p:cNvSpPr>
+            <a:spLocks noGrp="1"/>
+          </p:cNvSpPr>
+          <p:nvPr>
+            <p:ph type="sldNum" sz="quarter" idx="12"/>
+          </p:nvPr>
+        </p:nvSpPr>
+        <p:spPr/>
+        <p:txBody>
+          <a:bodyPr/>
+          <a:lstStyle/>
+          <a:p>
+            <a:fld id="{CDACE531-2FE7-1449-9EEA-A972806695F4}" type="slidenum">
+              <a:rPr lang="en-US" smtClean="0"/>
+              <a:t>‹#›</a:t>
+            </a:fld>
+            <a:endParaRPr lang="en-US"/>
+          </a:p>
+        </p:txBody>
+      </p:sp>
+    </p:spTree>
+    <p:extLst>
+      <p:ext uri="{BB962C8B-B14F-4D97-AF65-F5344CB8AC3E}">
+        <p14:creationId xmlns:p14="http://schemas.microsoft.com/office/powerpoint/2010/main" val="438334036"/>
+      </p:ext>
+    </p:extLst>
+  </p:cSld>
+  <p:clrMapOvr>
+    <a:masterClrMapping/>
+  </p:clrMapOvr>
+</p:sldLayout>
+</file>
+
+<file path=ppt/slideLayouts/slideLayout17.xml><?xml version="1.0" encoding="utf-8"?>
 <p:sldLayout xmlns:a="http://schemas.openxmlformats.org/drawingml/2006/main" xmlns:r="http://schemas.openxmlformats.org/officeDocument/2006/relationships" xmlns:p="http://schemas.openxmlformats.org/presentationml/2006/main" type="title" preserve="1">
   <p:cSld name="Title Slide">
     <p:spTree>
@@ -6557,7 +7081,7 @@
           <a:p>
             <a:fld id="{0A627400-D089-7447-864B-77479EBD4214}" type="datetimeFigureOut">
               <a:rPr lang="en-US" smtClean="0"/>
-              <a:t>4/2/2022</a:t>
+              <a:t>4/18/2022</a:t>
             </a:fld>
             <a:endParaRPr lang="en-US"/>
           </a:p>
@@ -6630,7 +7154,7 @@
 </p:sldLayout>
 </file>
 
-<file path=ppt/slideLayouts/slideLayout17.xml><?xml version="1.0" encoding="utf-8"?>
+<file path=ppt/slideLayouts/slideLayout18.xml><?xml version="1.0" encoding="utf-8"?>
 <p:sldLayout xmlns:a="http://schemas.openxmlformats.org/drawingml/2006/main" xmlns:r="http://schemas.openxmlformats.org/officeDocument/2006/relationships" xmlns:p="http://schemas.openxmlformats.org/presentationml/2006/main" type="obj" preserve="1">
   <p:cSld name="Title and Content">
     <p:spTree>
@@ -6755,7 +7279,7 @@
           <a:p>
             <a:fld id="{0A627400-D089-7447-864B-77479EBD4214}" type="datetimeFigureOut">
               <a:rPr lang="en-US" smtClean="0"/>
-              <a:t>4/2/2022</a:t>
+              <a:t>4/18/2022</a:t>
             </a:fld>
             <a:endParaRPr lang="en-US"/>
           </a:p>
@@ -6828,7 +7352,7 @@
 </p:sldLayout>
 </file>
 
-<file path=ppt/slideLayouts/slideLayout18.xml><?xml version="1.0" encoding="utf-8"?>
+<file path=ppt/slideLayouts/slideLayout19.xml><?xml version="1.0" encoding="utf-8"?>
 <p:sldLayout xmlns:a="http://schemas.openxmlformats.org/drawingml/2006/main" xmlns:r="http://schemas.openxmlformats.org/officeDocument/2006/relationships" xmlns:p="http://schemas.openxmlformats.org/presentationml/2006/main" type="secHead" preserve="1">
   <p:cSld name="Section Header">
     <p:spTree>
@@ -7030,7 +7554,7 @@
           <a:p>
             <a:fld id="{0A627400-D089-7447-864B-77479EBD4214}" type="datetimeFigureOut">
               <a:rPr lang="en-US" smtClean="0"/>
-              <a:t>4/2/2022</a:t>
+              <a:t>4/18/2022</a:t>
             </a:fld>
             <a:endParaRPr lang="en-US"/>
           </a:p>
@@ -7094,271 +7618,6 @@
     <p:extLst>
       <p:ext uri="{BB962C8B-B14F-4D97-AF65-F5344CB8AC3E}">
         <p14:creationId xmlns:p14="http://schemas.microsoft.com/office/powerpoint/2010/main" val="4114149147"/>
-      </p:ext>
-    </p:extLst>
-  </p:cSld>
-  <p:clrMapOvr>
-    <a:masterClrMapping/>
-  </p:clrMapOvr>
-</p:sldLayout>
-</file>
-
-<file path=ppt/slideLayouts/slideLayout19.xml><?xml version="1.0" encoding="utf-8"?>
-<p:sldLayout xmlns:a="http://schemas.openxmlformats.org/drawingml/2006/main" xmlns:r="http://schemas.openxmlformats.org/officeDocument/2006/relationships" xmlns:p="http://schemas.openxmlformats.org/presentationml/2006/main" type="twoObj" preserve="1">
-  <p:cSld name="Two Content">
-    <p:spTree>
-      <p:nvGrpSpPr>
-        <p:cNvPr id="1" name=""/>
-        <p:cNvGrpSpPr/>
-        <p:nvPr/>
-      </p:nvGrpSpPr>
-      <p:grpSpPr>
-        <a:xfrm>
-          <a:off x="0" y="0"/>
-          <a:ext cx="0" cy="0"/>
-          <a:chOff x="0" y="0"/>
-          <a:chExt cx="0" cy="0"/>
-        </a:xfrm>
-      </p:grpSpPr>
-      <p:sp>
-        <p:nvSpPr>
-          <p:cNvPr id="2" name="Title 1">
-            <a:extLst>
-              <a:ext uri="{FF2B5EF4-FFF2-40B4-BE49-F238E27FC236}">
-                <a16:creationId xmlns:a16="http://schemas.microsoft.com/office/drawing/2014/main" id="{15860501-FEE8-4A43-A887-C778D57CCB0A}"/>
-              </a:ext>
-            </a:extLst>
-          </p:cNvPr>
-          <p:cNvSpPr>
-            <a:spLocks noGrp="1"/>
-          </p:cNvSpPr>
-          <p:nvPr>
-            <p:ph type="title"/>
-          </p:nvPr>
-        </p:nvSpPr>
-        <p:spPr/>
-        <p:txBody>
-          <a:bodyPr/>
-          <a:lstStyle/>
-          <a:p>
-            <a:r>
-              <a:rPr lang="en-US"/>
-              <a:t>Click to edit Master title style</a:t>
-            </a:r>
-          </a:p>
-        </p:txBody>
-      </p:sp>
-      <p:sp>
-        <p:nvSpPr>
-          <p:cNvPr id="3" name="Content Placeholder 2">
-            <a:extLst>
-              <a:ext uri="{FF2B5EF4-FFF2-40B4-BE49-F238E27FC236}">
-                <a16:creationId xmlns:a16="http://schemas.microsoft.com/office/drawing/2014/main" id="{4DDE4D5F-58EF-5047-BAEF-694F619DB35D}"/>
-              </a:ext>
-            </a:extLst>
-          </p:cNvPr>
-          <p:cNvSpPr>
-            <a:spLocks noGrp="1"/>
-          </p:cNvSpPr>
-          <p:nvPr>
-            <p:ph sz="half" idx="1"/>
-          </p:nvPr>
-        </p:nvSpPr>
-        <p:spPr>
-          <a:xfrm>
-            <a:off x="838200" y="1825625"/>
-            <a:ext cx="5181600" cy="4351339"/>
-          </a:xfrm>
-        </p:spPr>
-        <p:txBody>
-          <a:bodyPr/>
-          <a:lstStyle/>
-          <a:p>
-            <a:pPr lvl="0"/>
-            <a:r>
-              <a:rPr lang="en-US"/>
-              <a:t>Click to edit Master text styles</a:t>
-            </a:r>
-          </a:p>
-          <a:p>
-            <a:pPr lvl="1"/>
-            <a:r>
-              <a:rPr lang="en-US"/>
-              <a:t>Second level</a:t>
-            </a:r>
-          </a:p>
-          <a:p>
-            <a:pPr lvl="2"/>
-            <a:r>
-              <a:rPr lang="en-US"/>
-              <a:t>Third level</a:t>
-            </a:r>
-          </a:p>
-          <a:p>
-            <a:pPr lvl="3"/>
-            <a:r>
-              <a:rPr lang="en-US"/>
-              <a:t>Fourth level</a:t>
-            </a:r>
-          </a:p>
-          <a:p>
-            <a:pPr lvl="4"/>
-            <a:r>
-              <a:rPr lang="en-US"/>
-              <a:t>Fifth level</a:t>
-            </a:r>
-          </a:p>
-        </p:txBody>
-      </p:sp>
-      <p:sp>
-        <p:nvSpPr>
-          <p:cNvPr id="4" name="Content Placeholder 3">
-            <a:extLst>
-              <a:ext uri="{FF2B5EF4-FFF2-40B4-BE49-F238E27FC236}">
-                <a16:creationId xmlns:a16="http://schemas.microsoft.com/office/drawing/2014/main" id="{0BB60468-267F-1F45-AAA2-30AF13763E59}"/>
-              </a:ext>
-            </a:extLst>
-          </p:cNvPr>
-          <p:cNvSpPr>
-            <a:spLocks noGrp="1"/>
-          </p:cNvSpPr>
-          <p:nvPr>
-            <p:ph sz="half" idx="2"/>
-          </p:nvPr>
-        </p:nvSpPr>
-        <p:spPr>
-          <a:xfrm>
-            <a:off x="6172200" y="1825625"/>
-            <a:ext cx="5181600" cy="4351339"/>
-          </a:xfrm>
-        </p:spPr>
-        <p:txBody>
-          <a:bodyPr/>
-          <a:lstStyle/>
-          <a:p>
-            <a:pPr lvl="0"/>
-            <a:r>
-              <a:rPr lang="en-US"/>
-              <a:t>Click to edit Master text styles</a:t>
-            </a:r>
-          </a:p>
-          <a:p>
-            <a:pPr lvl="1"/>
-            <a:r>
-              <a:rPr lang="en-US"/>
-              <a:t>Second level</a:t>
-            </a:r>
-          </a:p>
-          <a:p>
-            <a:pPr lvl="2"/>
-            <a:r>
-              <a:rPr lang="en-US"/>
-              <a:t>Third level</a:t>
-            </a:r>
-          </a:p>
-          <a:p>
-            <a:pPr lvl="3"/>
-            <a:r>
-              <a:rPr lang="en-US"/>
-              <a:t>Fourth level</a:t>
-            </a:r>
-          </a:p>
-          <a:p>
-            <a:pPr lvl="4"/>
-            <a:r>
-              <a:rPr lang="en-US"/>
-              <a:t>Fifth level</a:t>
-            </a:r>
-          </a:p>
-        </p:txBody>
-      </p:sp>
-      <p:sp>
-        <p:nvSpPr>
-          <p:cNvPr id="5" name="Date Placeholder 4">
-            <a:extLst>
-              <a:ext uri="{FF2B5EF4-FFF2-40B4-BE49-F238E27FC236}">
-                <a16:creationId xmlns:a16="http://schemas.microsoft.com/office/drawing/2014/main" id="{31138E6A-F55F-9B41-BB5F-C47771404DD5}"/>
-              </a:ext>
-            </a:extLst>
-          </p:cNvPr>
-          <p:cNvSpPr>
-            <a:spLocks noGrp="1"/>
-          </p:cNvSpPr>
-          <p:nvPr>
-            <p:ph type="dt" sz="half" idx="10"/>
-          </p:nvPr>
-        </p:nvSpPr>
-        <p:spPr/>
-        <p:txBody>
-          <a:bodyPr/>
-          <a:lstStyle/>
-          <a:p>
-            <a:fld id="{0A627400-D089-7447-864B-77479EBD4214}" type="datetimeFigureOut">
-              <a:rPr lang="en-US" smtClean="0"/>
-              <a:t>4/2/2022</a:t>
-            </a:fld>
-            <a:endParaRPr lang="en-US"/>
-          </a:p>
-        </p:txBody>
-      </p:sp>
-      <p:sp>
-        <p:nvSpPr>
-          <p:cNvPr id="6" name="Footer Placeholder 5">
-            <a:extLst>
-              <a:ext uri="{FF2B5EF4-FFF2-40B4-BE49-F238E27FC236}">
-                <a16:creationId xmlns:a16="http://schemas.microsoft.com/office/drawing/2014/main" id="{7392FE18-73E8-D64A-AB50-97C717CC840D}"/>
-              </a:ext>
-            </a:extLst>
-          </p:cNvPr>
-          <p:cNvSpPr>
-            <a:spLocks noGrp="1"/>
-          </p:cNvSpPr>
-          <p:nvPr>
-            <p:ph type="ftr" sz="quarter" idx="11"/>
-          </p:nvPr>
-        </p:nvSpPr>
-        <p:spPr/>
-        <p:txBody>
-          <a:bodyPr/>
-          <a:lstStyle/>
-          <a:p>
-            <a:endParaRPr lang="en-US"/>
-          </a:p>
-        </p:txBody>
-      </p:sp>
-      <p:sp>
-        <p:nvSpPr>
-          <p:cNvPr id="7" name="Slide Number Placeholder 6">
-            <a:extLst>
-              <a:ext uri="{FF2B5EF4-FFF2-40B4-BE49-F238E27FC236}">
-                <a16:creationId xmlns:a16="http://schemas.microsoft.com/office/drawing/2014/main" id="{331D3D61-E3AB-0747-BB3D-CFD3451A5BAB}"/>
-              </a:ext>
-            </a:extLst>
-          </p:cNvPr>
-          <p:cNvSpPr>
-            <a:spLocks noGrp="1"/>
-          </p:cNvSpPr>
-          <p:nvPr>
-            <p:ph type="sldNum" sz="quarter" idx="12"/>
-          </p:nvPr>
-        </p:nvSpPr>
-        <p:spPr/>
-        <p:txBody>
-          <a:bodyPr/>
-          <a:lstStyle/>
-          <a:p>
-            <a:fld id="{CDACE531-2FE7-1449-9EEA-A972806695F4}" type="slidenum">
-              <a:rPr lang="en-US" smtClean="0"/>
-              <a:t>‹#›</a:t>
-            </a:fld>
-            <a:endParaRPr lang="en-US"/>
-          </a:p>
-        </p:txBody>
-      </p:sp>
-    </p:spTree>
-    <p:extLst>
-      <p:ext uri="{BB962C8B-B14F-4D97-AF65-F5344CB8AC3E}">
-        <p14:creationId xmlns:p14="http://schemas.microsoft.com/office/powerpoint/2010/main" val="1570648668"/>
       </p:ext>
     </p:extLst>
   </p:cSld>
@@ -7569,6 +7828,271 @@
 </file>
 
 <file path=ppt/slideLayouts/slideLayout20.xml><?xml version="1.0" encoding="utf-8"?>
+<p:sldLayout xmlns:a="http://schemas.openxmlformats.org/drawingml/2006/main" xmlns:r="http://schemas.openxmlformats.org/officeDocument/2006/relationships" xmlns:p="http://schemas.openxmlformats.org/presentationml/2006/main" type="twoObj" preserve="1">
+  <p:cSld name="Two Content">
+    <p:spTree>
+      <p:nvGrpSpPr>
+        <p:cNvPr id="1" name=""/>
+        <p:cNvGrpSpPr/>
+        <p:nvPr/>
+      </p:nvGrpSpPr>
+      <p:grpSpPr>
+        <a:xfrm>
+          <a:off x="0" y="0"/>
+          <a:ext cx="0" cy="0"/>
+          <a:chOff x="0" y="0"/>
+          <a:chExt cx="0" cy="0"/>
+        </a:xfrm>
+      </p:grpSpPr>
+      <p:sp>
+        <p:nvSpPr>
+          <p:cNvPr id="2" name="Title 1">
+            <a:extLst>
+              <a:ext uri="{FF2B5EF4-FFF2-40B4-BE49-F238E27FC236}">
+                <a16:creationId xmlns:a16="http://schemas.microsoft.com/office/drawing/2014/main" id="{15860501-FEE8-4A43-A887-C778D57CCB0A}"/>
+              </a:ext>
+            </a:extLst>
+          </p:cNvPr>
+          <p:cNvSpPr>
+            <a:spLocks noGrp="1"/>
+          </p:cNvSpPr>
+          <p:nvPr>
+            <p:ph type="title"/>
+          </p:nvPr>
+        </p:nvSpPr>
+        <p:spPr/>
+        <p:txBody>
+          <a:bodyPr/>
+          <a:lstStyle/>
+          <a:p>
+            <a:r>
+              <a:rPr lang="en-US"/>
+              <a:t>Click to edit Master title style</a:t>
+            </a:r>
+          </a:p>
+        </p:txBody>
+      </p:sp>
+      <p:sp>
+        <p:nvSpPr>
+          <p:cNvPr id="3" name="Content Placeholder 2">
+            <a:extLst>
+              <a:ext uri="{FF2B5EF4-FFF2-40B4-BE49-F238E27FC236}">
+                <a16:creationId xmlns:a16="http://schemas.microsoft.com/office/drawing/2014/main" id="{4DDE4D5F-58EF-5047-BAEF-694F619DB35D}"/>
+              </a:ext>
+            </a:extLst>
+          </p:cNvPr>
+          <p:cNvSpPr>
+            <a:spLocks noGrp="1"/>
+          </p:cNvSpPr>
+          <p:nvPr>
+            <p:ph sz="half" idx="1"/>
+          </p:nvPr>
+        </p:nvSpPr>
+        <p:spPr>
+          <a:xfrm>
+            <a:off x="838200" y="1825625"/>
+            <a:ext cx="5181600" cy="4351339"/>
+          </a:xfrm>
+        </p:spPr>
+        <p:txBody>
+          <a:bodyPr/>
+          <a:lstStyle/>
+          <a:p>
+            <a:pPr lvl="0"/>
+            <a:r>
+              <a:rPr lang="en-US"/>
+              <a:t>Click to edit Master text styles</a:t>
+            </a:r>
+          </a:p>
+          <a:p>
+            <a:pPr lvl="1"/>
+            <a:r>
+              <a:rPr lang="en-US"/>
+              <a:t>Second level</a:t>
+            </a:r>
+          </a:p>
+          <a:p>
+            <a:pPr lvl="2"/>
+            <a:r>
+              <a:rPr lang="en-US"/>
+              <a:t>Third level</a:t>
+            </a:r>
+          </a:p>
+          <a:p>
+            <a:pPr lvl="3"/>
+            <a:r>
+              <a:rPr lang="en-US"/>
+              <a:t>Fourth level</a:t>
+            </a:r>
+          </a:p>
+          <a:p>
+            <a:pPr lvl="4"/>
+            <a:r>
+              <a:rPr lang="en-US"/>
+              <a:t>Fifth level</a:t>
+            </a:r>
+          </a:p>
+        </p:txBody>
+      </p:sp>
+      <p:sp>
+        <p:nvSpPr>
+          <p:cNvPr id="4" name="Content Placeholder 3">
+            <a:extLst>
+              <a:ext uri="{FF2B5EF4-FFF2-40B4-BE49-F238E27FC236}">
+                <a16:creationId xmlns:a16="http://schemas.microsoft.com/office/drawing/2014/main" id="{0BB60468-267F-1F45-AAA2-30AF13763E59}"/>
+              </a:ext>
+            </a:extLst>
+          </p:cNvPr>
+          <p:cNvSpPr>
+            <a:spLocks noGrp="1"/>
+          </p:cNvSpPr>
+          <p:nvPr>
+            <p:ph sz="half" idx="2"/>
+          </p:nvPr>
+        </p:nvSpPr>
+        <p:spPr>
+          <a:xfrm>
+            <a:off x="6172200" y="1825625"/>
+            <a:ext cx="5181600" cy="4351339"/>
+          </a:xfrm>
+        </p:spPr>
+        <p:txBody>
+          <a:bodyPr/>
+          <a:lstStyle/>
+          <a:p>
+            <a:pPr lvl="0"/>
+            <a:r>
+              <a:rPr lang="en-US"/>
+              <a:t>Click to edit Master text styles</a:t>
+            </a:r>
+          </a:p>
+          <a:p>
+            <a:pPr lvl="1"/>
+            <a:r>
+              <a:rPr lang="en-US"/>
+              <a:t>Second level</a:t>
+            </a:r>
+          </a:p>
+          <a:p>
+            <a:pPr lvl="2"/>
+            <a:r>
+              <a:rPr lang="en-US"/>
+              <a:t>Third level</a:t>
+            </a:r>
+          </a:p>
+          <a:p>
+            <a:pPr lvl="3"/>
+            <a:r>
+              <a:rPr lang="en-US"/>
+              <a:t>Fourth level</a:t>
+            </a:r>
+          </a:p>
+          <a:p>
+            <a:pPr lvl="4"/>
+            <a:r>
+              <a:rPr lang="en-US"/>
+              <a:t>Fifth level</a:t>
+            </a:r>
+          </a:p>
+        </p:txBody>
+      </p:sp>
+      <p:sp>
+        <p:nvSpPr>
+          <p:cNvPr id="5" name="Date Placeholder 4">
+            <a:extLst>
+              <a:ext uri="{FF2B5EF4-FFF2-40B4-BE49-F238E27FC236}">
+                <a16:creationId xmlns:a16="http://schemas.microsoft.com/office/drawing/2014/main" id="{31138E6A-F55F-9B41-BB5F-C47771404DD5}"/>
+              </a:ext>
+            </a:extLst>
+          </p:cNvPr>
+          <p:cNvSpPr>
+            <a:spLocks noGrp="1"/>
+          </p:cNvSpPr>
+          <p:nvPr>
+            <p:ph type="dt" sz="half" idx="10"/>
+          </p:nvPr>
+        </p:nvSpPr>
+        <p:spPr/>
+        <p:txBody>
+          <a:bodyPr/>
+          <a:lstStyle/>
+          <a:p>
+            <a:fld id="{0A627400-D089-7447-864B-77479EBD4214}" type="datetimeFigureOut">
+              <a:rPr lang="en-US" smtClean="0"/>
+              <a:t>4/18/2022</a:t>
+            </a:fld>
+            <a:endParaRPr lang="en-US"/>
+          </a:p>
+        </p:txBody>
+      </p:sp>
+      <p:sp>
+        <p:nvSpPr>
+          <p:cNvPr id="6" name="Footer Placeholder 5">
+            <a:extLst>
+              <a:ext uri="{FF2B5EF4-FFF2-40B4-BE49-F238E27FC236}">
+                <a16:creationId xmlns:a16="http://schemas.microsoft.com/office/drawing/2014/main" id="{7392FE18-73E8-D64A-AB50-97C717CC840D}"/>
+              </a:ext>
+            </a:extLst>
+          </p:cNvPr>
+          <p:cNvSpPr>
+            <a:spLocks noGrp="1"/>
+          </p:cNvSpPr>
+          <p:nvPr>
+            <p:ph type="ftr" sz="quarter" idx="11"/>
+          </p:nvPr>
+        </p:nvSpPr>
+        <p:spPr/>
+        <p:txBody>
+          <a:bodyPr/>
+          <a:lstStyle/>
+          <a:p>
+            <a:endParaRPr lang="en-US"/>
+          </a:p>
+        </p:txBody>
+      </p:sp>
+      <p:sp>
+        <p:nvSpPr>
+          <p:cNvPr id="7" name="Slide Number Placeholder 6">
+            <a:extLst>
+              <a:ext uri="{FF2B5EF4-FFF2-40B4-BE49-F238E27FC236}">
+                <a16:creationId xmlns:a16="http://schemas.microsoft.com/office/drawing/2014/main" id="{331D3D61-E3AB-0747-BB3D-CFD3451A5BAB}"/>
+              </a:ext>
+            </a:extLst>
+          </p:cNvPr>
+          <p:cNvSpPr>
+            <a:spLocks noGrp="1"/>
+          </p:cNvSpPr>
+          <p:nvPr>
+            <p:ph type="sldNum" sz="quarter" idx="12"/>
+          </p:nvPr>
+        </p:nvSpPr>
+        <p:spPr/>
+        <p:txBody>
+          <a:bodyPr/>
+          <a:lstStyle/>
+          <a:p>
+            <a:fld id="{CDACE531-2FE7-1449-9EEA-A972806695F4}" type="slidenum">
+              <a:rPr lang="en-US" smtClean="0"/>
+              <a:t>‹#›</a:t>
+            </a:fld>
+            <a:endParaRPr lang="en-US"/>
+          </a:p>
+        </p:txBody>
+      </p:sp>
+    </p:spTree>
+    <p:extLst>
+      <p:ext uri="{BB962C8B-B14F-4D97-AF65-F5344CB8AC3E}">
+        <p14:creationId xmlns:p14="http://schemas.microsoft.com/office/powerpoint/2010/main" val="1570648668"/>
+      </p:ext>
+    </p:extLst>
+  </p:cSld>
+  <p:clrMapOvr>
+    <a:masterClrMapping/>
+  </p:clrMapOvr>
+</p:sldLayout>
+</file>
+
+<file path=ppt/slideLayouts/slideLayout21.xml><?xml version="1.0" encoding="utf-8"?>
 <p:sldLayout xmlns:a="http://schemas.openxmlformats.org/drawingml/2006/main" xmlns:r="http://schemas.openxmlformats.org/officeDocument/2006/relationships" xmlns:p="http://schemas.openxmlformats.org/presentationml/2006/main" type="twoTxTwoObj" preserve="1">
   <p:cSld name="Comparison">
     <p:spTree>
@@ -7907,7 +8431,7 @@
           <a:p>
             <a:fld id="{0A627400-D089-7447-864B-77479EBD4214}" type="datetimeFigureOut">
               <a:rPr lang="en-US" smtClean="0"/>
-              <a:t>4/2/2022</a:t>
+              <a:t>4/18/2022</a:t>
             </a:fld>
             <a:endParaRPr lang="en-US"/>
           </a:p>
@@ -7980,7 +8504,7 @@
 </p:sldLayout>
 </file>
 
-<file path=ppt/slideLayouts/slideLayout21.xml><?xml version="1.0" encoding="utf-8"?>
+<file path=ppt/slideLayouts/slideLayout22.xml><?xml version="1.0" encoding="utf-8"?>
 <p:sldLayout xmlns:a="http://schemas.openxmlformats.org/drawingml/2006/main" xmlns:r="http://schemas.openxmlformats.org/officeDocument/2006/relationships" xmlns:p="http://schemas.openxmlformats.org/presentationml/2006/main" type="obj" preserve="1">
   <p:cSld name="Code Sample">
     <p:spTree>
@@ -8113,7 +8637,7 @@
           <a:p>
             <a:fld id="{0A627400-D089-7447-864B-77479EBD4214}" type="datetimeFigureOut">
               <a:rPr lang="en-US" smtClean="0"/>
-              <a:t>4/2/2022</a:t>
+              <a:t>4/18/2022</a:t>
             </a:fld>
             <a:endParaRPr lang="en-US"/>
           </a:p>
@@ -8186,7 +8710,7 @@
 </p:sldLayout>
 </file>
 
-<file path=ppt/slideLayouts/slideLayout22.xml><?xml version="1.0" encoding="utf-8"?>
+<file path=ppt/slideLayouts/slideLayout23.xml><?xml version="1.0" encoding="utf-8"?>
 <p:sldLayout xmlns:a="http://schemas.openxmlformats.org/drawingml/2006/main" xmlns:r="http://schemas.openxmlformats.org/officeDocument/2006/relationships" xmlns:p="http://schemas.openxmlformats.org/presentationml/2006/main" preserve="1" userDrawn="1">
   <p:cSld name="Progress">
     <p:spTree>
@@ -8255,7 +8779,7 @@
             <a:fld id="{0A627400-D089-7447-864B-77479EBD4214}" type="datetimeFigureOut">
               <a:rPr lang="en-US" smtClean="0"/>
               <a:pPr/>
-              <a:t>4/2/2022</a:t>
+              <a:t>4/18/2022</a:t>
             </a:fld>
             <a:endParaRPr lang="en-US"/>
           </a:p>
@@ -8351,7 +8875,7 @@
 </p:sldLayout>
 </file>
 
-<file path=ppt/slideLayouts/slideLayout23.xml><?xml version="1.0" encoding="utf-8"?>
+<file path=ppt/slideLayouts/slideLayout24.xml><?xml version="1.0" encoding="utf-8"?>
 <p:sldLayout xmlns:a="http://schemas.openxmlformats.org/drawingml/2006/main" xmlns:r="http://schemas.openxmlformats.org/officeDocument/2006/relationships" xmlns:p="http://schemas.openxmlformats.org/presentationml/2006/main" type="titleOnly" preserve="1">
   <p:cSld name="Title Only">
     <p:spTree>
@@ -8419,7 +8943,7 @@
           <a:p>
             <a:fld id="{0A627400-D089-7447-864B-77479EBD4214}" type="datetimeFigureOut">
               <a:rPr lang="en-US" smtClean="0"/>
-              <a:t>4/2/2022</a:t>
+              <a:t>4/18/2022</a:t>
             </a:fld>
             <a:endParaRPr lang="en-US"/>
           </a:p>
@@ -8492,7 +9016,7 @@
 </p:sldLayout>
 </file>
 
-<file path=ppt/slideLayouts/slideLayout24.xml><?xml version="1.0" encoding="utf-8"?>
+<file path=ppt/slideLayouts/slideLayout25.xml><?xml version="1.0" encoding="utf-8"?>
 <p:sldLayout xmlns:a="http://schemas.openxmlformats.org/drawingml/2006/main" xmlns:r="http://schemas.openxmlformats.org/officeDocument/2006/relationships" xmlns:p="http://schemas.openxmlformats.org/presentationml/2006/main" type="blank" preserve="1">
   <p:cSld name="Blank">
     <p:spTree>
@@ -8532,7 +9056,7 @@
           <a:p>
             <a:fld id="{0A627400-D089-7447-864B-77479EBD4214}" type="datetimeFigureOut">
               <a:rPr lang="en-US" smtClean="0"/>
-              <a:t>4/2/2022</a:t>
+              <a:t>4/18/2022</a:t>
             </a:fld>
             <a:endParaRPr lang="en-US"/>
           </a:p>
@@ -8605,7 +9129,7 @@
 </p:sldLayout>
 </file>
 
-<file path=ppt/slideLayouts/slideLayout25.xml><?xml version="1.0" encoding="utf-8"?>
+<file path=ppt/slideLayouts/slideLayout26.xml><?xml version="1.0" encoding="utf-8"?>
 <p:sldLayout xmlns:a="http://schemas.openxmlformats.org/drawingml/2006/main" xmlns:r="http://schemas.openxmlformats.org/officeDocument/2006/relationships" xmlns:p="http://schemas.openxmlformats.org/presentationml/2006/main" type="objTx" preserve="1">
   <p:cSld name="Content with Caption">
     <p:spTree>
@@ -8843,7 +9367,7 @@
           <a:p>
             <a:fld id="{0A627400-D089-7447-864B-77479EBD4214}" type="datetimeFigureOut">
               <a:rPr lang="en-US" smtClean="0"/>
-              <a:t>4/2/2022</a:t>
+              <a:t>4/18/2022</a:t>
             </a:fld>
             <a:endParaRPr lang="en-US"/>
           </a:p>
@@ -8916,7 +9440,7 @@
 </p:sldLayout>
 </file>
 
-<file path=ppt/slideLayouts/slideLayout26.xml><?xml version="1.0" encoding="utf-8"?>
+<file path=ppt/slideLayouts/slideLayout27.xml><?xml version="1.0" encoding="utf-8"?>
 <p:sldLayout xmlns:a="http://schemas.openxmlformats.org/drawingml/2006/main" xmlns:r="http://schemas.openxmlformats.org/officeDocument/2006/relationships" xmlns:p="http://schemas.openxmlformats.org/presentationml/2006/main" type="picTx" preserve="1">
   <p:cSld name="Picture with Caption">
     <p:spTree>
@@ -9131,7 +9655,7 @@
           <a:p>
             <a:fld id="{0A627400-D089-7447-864B-77479EBD4214}" type="datetimeFigureOut">
               <a:rPr lang="en-US" smtClean="0"/>
-              <a:t>4/2/2022</a:t>
+              <a:t>4/18/2022</a:t>
             </a:fld>
             <a:endParaRPr lang="en-US"/>
           </a:p>
@@ -9204,7 +9728,7 @@
 </p:sldLayout>
 </file>
 
-<file path=ppt/slideLayouts/slideLayout27.xml><?xml version="1.0" encoding="utf-8"?>
+<file path=ppt/slideLayouts/slideLayout28.xml><?xml version="1.0" encoding="utf-8"?>
 <p:sldLayout xmlns:a="http://schemas.openxmlformats.org/drawingml/2006/main" xmlns:r="http://schemas.openxmlformats.org/officeDocument/2006/relationships" xmlns:p="http://schemas.openxmlformats.org/presentationml/2006/main" userDrawn="1">
   <p:cSld name="White Background">
     <p:spTree>
@@ -9337,7 +9861,7 @@
 </p:sldLayout>
 </file>
 
-<file path=ppt/slideLayouts/slideLayout28.xml><?xml version="1.0" encoding="utf-8"?>
+<file path=ppt/slideLayouts/slideLayout29.xml><?xml version="1.0" encoding="utf-8"?>
 <p:sldLayout xmlns:a="http://schemas.openxmlformats.org/drawingml/2006/main" xmlns:r="http://schemas.openxmlformats.org/officeDocument/2006/relationships" xmlns:p="http://schemas.openxmlformats.org/presentationml/2006/main" preserve="1" userDrawn="1">
   <p:cSld name="Blank Layout">
     <p:spTree>
@@ -10678,7 +11202,7 @@
           <p:nvPr userDrawn="1"/>
         </p:nvPicPr>
         <p:blipFill>
-          <a:blip r:embed="rId17"/>
+          <a:blip r:embed="rId18"/>
           <a:stretch>
             <a:fillRect/>
           </a:stretch>
@@ -10717,6 +11241,7 @@
     <p:sldLayoutId id="2147483676" r:id="rId13"/>
     <p:sldLayoutId id="2147483678" r:id="rId14"/>
     <p:sldLayoutId id="2147483679" r:id="rId15"/>
+    <p:sldLayoutId id="2147483809" r:id="rId16"/>
   </p:sldLayoutIdLst>
   <p:transition>
     <p:fade/>
@@ -11383,7 +11908,7 @@
             <a:fld id="{0A627400-D089-7447-864B-77479EBD4214}" type="datetimeFigureOut">
               <a:rPr lang="en-US" smtClean="0"/>
               <a:pPr/>
-              <a:t>4/2/2022</a:t>
+              <a:t>4/18/2022</a:t>
             </a:fld>
             <a:endParaRPr lang="en-US"/>
           </a:p>
@@ -12120,6 +12645,1583 @@
 </file>
 
 <file path=ppt/slides/slide2.xml><?xml version="1.0" encoding="utf-8"?>
+<p:sld xmlns:a="http://schemas.openxmlformats.org/drawingml/2006/main" xmlns:r="http://schemas.openxmlformats.org/officeDocument/2006/relationships" xmlns:p="http://schemas.openxmlformats.org/presentationml/2006/main">
+  <p:cSld>
+    <p:spTree>
+      <p:nvGrpSpPr>
+        <p:cNvPr id="1" name=""/>
+        <p:cNvGrpSpPr/>
+        <p:nvPr/>
+      </p:nvGrpSpPr>
+      <p:grpSpPr>
+        <a:xfrm>
+          <a:off x="0" y="0"/>
+          <a:ext cx="0" cy="0"/>
+          <a:chOff x="0" y="0"/>
+          <a:chExt cx="0" cy="0"/>
+        </a:xfrm>
+      </p:grpSpPr>
+      <p:sp>
+        <p:nvSpPr>
+          <p:cNvPr id="3" name="Title 2">
+            <a:extLst>
+              <a:ext uri="{FF2B5EF4-FFF2-40B4-BE49-F238E27FC236}">
+                <a16:creationId xmlns:a16="http://schemas.microsoft.com/office/drawing/2014/main" id="{652E2BA4-9FC0-4828-A940-3704183398DF}"/>
+              </a:ext>
+            </a:extLst>
+          </p:cNvPr>
+          <p:cNvSpPr>
+            <a:spLocks noGrp="1"/>
+          </p:cNvSpPr>
+          <p:nvPr>
+            <p:ph type="title"/>
+          </p:nvPr>
+        </p:nvSpPr>
+        <p:spPr/>
+        <p:txBody>
+          <a:bodyPr/>
+          <a:lstStyle/>
+          <a:p>
+            <a:r>
+              <a:rPr lang="es-ES" sz="7200" dirty="0">
+                <a:solidFill>
+                  <a:schemeClr val="bg1"/>
+                </a:solidFill>
+              </a:rPr>
+              <a:t>Visual Studio</a:t>
+            </a:r>
+            <a:endParaRPr lang="en-US" sz="7200" dirty="0">
+              <a:solidFill>
+                <a:schemeClr val="bg1"/>
+              </a:solidFill>
+            </a:endParaRPr>
+          </a:p>
+        </p:txBody>
+      </p:sp>
+    </p:spTree>
+    <p:extLst>
+      <p:ext uri="{BB962C8B-B14F-4D97-AF65-F5344CB8AC3E}">
+        <p14:creationId xmlns:p14="http://schemas.microsoft.com/office/powerpoint/2010/main" val="3795879355"/>
+      </p:ext>
+    </p:extLst>
+  </p:cSld>
+  <p:clrMapOvr>
+    <a:masterClrMapping/>
+  </p:clrMapOvr>
+  <p:transition spd="med"/>
+</p:sld>
+</file>
+
+<file path=ppt/slides/slide3.xml><?xml version="1.0" encoding="utf-8"?>
+<p:sld xmlns:a="http://schemas.openxmlformats.org/drawingml/2006/main" xmlns:r="http://schemas.openxmlformats.org/officeDocument/2006/relationships" xmlns:p="http://schemas.openxmlformats.org/presentationml/2006/main">
+  <p:cSld>
+    <p:spTree>
+      <p:nvGrpSpPr>
+        <p:cNvPr id="1" name=""/>
+        <p:cNvGrpSpPr/>
+        <p:nvPr/>
+      </p:nvGrpSpPr>
+      <p:grpSpPr>
+        <a:xfrm>
+          <a:off x="0" y="0"/>
+          <a:ext cx="0" cy="0"/>
+          <a:chOff x="0" y="0"/>
+          <a:chExt cx="0" cy="0"/>
+        </a:xfrm>
+      </p:grpSpPr>
+      <p:sp>
+        <p:nvSpPr>
+          <p:cNvPr id="11" name="TextBox 10">
+            <a:extLst>
+              <a:ext uri="{FF2B5EF4-FFF2-40B4-BE49-F238E27FC236}">
+                <a16:creationId xmlns:a16="http://schemas.microsoft.com/office/drawing/2014/main" id="{C0E7814F-772A-488B-9829-94D3C5B349DF}"/>
+              </a:ext>
+            </a:extLst>
+          </p:cNvPr>
+          <p:cNvSpPr txBox="1"/>
+          <p:nvPr/>
+        </p:nvSpPr>
+        <p:spPr>
+          <a:xfrm>
+            <a:off x="104775" y="1360588"/>
+            <a:ext cx="11820305" cy="1938992"/>
+          </a:xfrm>
+          <a:prstGeom prst="rect">
+            <a:avLst/>
+          </a:prstGeom>
+          <a:noFill/>
+        </p:spPr>
+        <p:txBody>
+          <a:bodyPr wrap="square">
+            <a:spAutoFit/>
+          </a:bodyPr>
+          <a:lstStyle/>
+          <a:p>
+            <a:pPr marL="0" marR="0" lvl="0" indent="0" algn="l" defTabSz="914400" rtl="0" eaLnBrk="1" fontAlgn="auto" latinLnBrk="0" hangingPunct="1">
+              <a:lnSpc>
+                <a:spcPct val="100000"/>
+              </a:lnSpc>
+              <a:spcBef>
+                <a:spcPts val="0"/>
+              </a:spcBef>
+              <a:spcAft>
+                <a:spcPts val="0"/>
+              </a:spcAft>
+              <a:buClrTx/>
+              <a:buSzTx/>
+              <a:buFontTx/>
+              <a:buNone/>
+              <a:tabLst/>
+              <a:defRPr/>
+            </a:pPr>
+            <a:r>
+              <a:rPr lang="es-ES" sz="2000" dirty="0">
+                <a:latin typeface="Open Sans" panose="020B0606030504020204" pitchFamily="34" charset="0"/>
+                <a:ea typeface="Open Sans" panose="020B0606030504020204" pitchFamily="34" charset="0"/>
+                <a:cs typeface="Open Sans" panose="020B0606030504020204" pitchFamily="34" charset="0"/>
+              </a:rPr>
+              <a:t>En la barra de tareas de Visual Studio, pulsa el botón Play (o F5).</a:t>
+            </a:r>
+          </a:p>
+          <a:p>
+            <a:pPr marL="0" marR="0" lvl="0" indent="0" algn="l" defTabSz="914400" rtl="0" eaLnBrk="1" fontAlgn="auto" latinLnBrk="0" hangingPunct="1">
+              <a:lnSpc>
+                <a:spcPct val="100000"/>
+              </a:lnSpc>
+              <a:spcBef>
+                <a:spcPts val="0"/>
+              </a:spcBef>
+              <a:spcAft>
+                <a:spcPts val="0"/>
+              </a:spcAft>
+              <a:buClrTx/>
+              <a:buSzTx/>
+              <a:buFontTx/>
+              <a:buNone/>
+              <a:tabLst/>
+              <a:defRPr/>
+            </a:pPr>
+            <a:endParaRPr kumimoji="0" lang="es-ES" sz="2000" b="0" i="0" u="none" strike="noStrike" kern="1200" cap="none" spc="0" normalizeH="0" baseline="0" noProof="0" dirty="0">
+              <a:ln>
+                <a:noFill/>
+              </a:ln>
+              <a:effectLst/>
+              <a:uLnTx/>
+              <a:uFillTx/>
+              <a:latin typeface="Open Sans" panose="020B0606030504020204" pitchFamily="34" charset="0"/>
+              <a:ea typeface="Open Sans" panose="020B0606030504020204" pitchFamily="34" charset="0"/>
+              <a:cs typeface="Open Sans" panose="020B0606030504020204" pitchFamily="34" charset="0"/>
+            </a:endParaRPr>
+          </a:p>
+          <a:p>
+            <a:pPr marL="0" marR="0" lvl="0" indent="0" algn="l" defTabSz="914400" rtl="0" eaLnBrk="1" fontAlgn="auto" latinLnBrk="0" hangingPunct="1">
+              <a:lnSpc>
+                <a:spcPct val="100000"/>
+              </a:lnSpc>
+              <a:spcBef>
+                <a:spcPts val="0"/>
+              </a:spcBef>
+              <a:spcAft>
+                <a:spcPts val="0"/>
+              </a:spcAft>
+              <a:buClrTx/>
+              <a:buSzTx/>
+              <a:buFontTx/>
+              <a:buNone/>
+              <a:tabLst/>
+              <a:defRPr/>
+            </a:pPr>
+            <a:endParaRPr lang="es-ES" sz="2000" dirty="0">
+              <a:latin typeface="Open Sans" panose="020B0606030504020204" pitchFamily="34" charset="0"/>
+              <a:ea typeface="Open Sans" panose="020B0606030504020204" pitchFamily="34" charset="0"/>
+              <a:cs typeface="Open Sans" panose="020B0606030504020204" pitchFamily="34" charset="0"/>
+            </a:endParaRPr>
+          </a:p>
+          <a:p>
+            <a:pPr marL="0" marR="0" lvl="0" indent="0" algn="l" defTabSz="914400" rtl="0" eaLnBrk="1" fontAlgn="auto" latinLnBrk="0" hangingPunct="1">
+              <a:lnSpc>
+                <a:spcPct val="100000"/>
+              </a:lnSpc>
+              <a:spcBef>
+                <a:spcPts val="0"/>
+              </a:spcBef>
+              <a:spcAft>
+                <a:spcPts val="0"/>
+              </a:spcAft>
+              <a:buClrTx/>
+              <a:buSzTx/>
+              <a:buFontTx/>
+              <a:buNone/>
+              <a:tabLst/>
+              <a:defRPr/>
+            </a:pPr>
+            <a:endParaRPr kumimoji="0" lang="es-ES" sz="2000" b="0" i="0" u="none" strike="noStrike" kern="1200" cap="none" spc="0" normalizeH="0" baseline="0" noProof="0" dirty="0">
+              <a:ln>
+                <a:noFill/>
+              </a:ln>
+              <a:effectLst/>
+              <a:uLnTx/>
+              <a:uFillTx/>
+              <a:latin typeface="Open Sans" panose="020B0606030504020204" pitchFamily="34" charset="0"/>
+              <a:ea typeface="Open Sans" panose="020B0606030504020204" pitchFamily="34" charset="0"/>
+              <a:cs typeface="Open Sans" panose="020B0606030504020204" pitchFamily="34" charset="0"/>
+            </a:endParaRPr>
+          </a:p>
+          <a:p>
+            <a:pPr marL="0" marR="0" lvl="0" indent="0" algn="l" defTabSz="914400" rtl="0" eaLnBrk="1" fontAlgn="auto" latinLnBrk="0" hangingPunct="1">
+              <a:lnSpc>
+                <a:spcPct val="100000"/>
+              </a:lnSpc>
+              <a:spcBef>
+                <a:spcPts val="0"/>
+              </a:spcBef>
+              <a:spcAft>
+                <a:spcPts val="0"/>
+              </a:spcAft>
+              <a:buClrTx/>
+              <a:buSzTx/>
+              <a:buFontTx/>
+              <a:buNone/>
+              <a:tabLst/>
+              <a:defRPr/>
+            </a:pPr>
+            <a:r>
+              <a:rPr lang="es-ES" sz="2000" dirty="0">
+                <a:latin typeface="Open Sans" panose="020B0606030504020204" pitchFamily="34" charset="0"/>
+                <a:ea typeface="Open Sans" panose="020B0606030504020204" pitchFamily="34" charset="0"/>
+                <a:cs typeface="Open Sans" panose="020B0606030504020204" pitchFamily="34" charset="0"/>
+              </a:rPr>
+              <a:t>En el desplegable podrás elegir el target (Android, iOS o Windows) así como el emulador, simulador o dispositivo deseado.</a:t>
+            </a:r>
+            <a:endParaRPr kumimoji="0" lang="en-US" sz="2000" b="0" i="0" u="none" strike="noStrike" kern="1200" cap="none" spc="0" normalizeH="0" baseline="0" noProof="0" dirty="0">
+              <a:ln>
+                <a:noFill/>
+              </a:ln>
+              <a:effectLst/>
+              <a:uLnTx/>
+              <a:uFillTx/>
+              <a:latin typeface="Open Sans" panose="020B0606030504020204" pitchFamily="34" charset="0"/>
+              <a:ea typeface="Open Sans" panose="020B0606030504020204" pitchFamily="34" charset="0"/>
+              <a:cs typeface="Open Sans" panose="020B0606030504020204" pitchFamily="34" charset="0"/>
+            </a:endParaRPr>
+          </a:p>
+        </p:txBody>
+      </p:sp>
+      <p:sp>
+        <p:nvSpPr>
+          <p:cNvPr id="6" name="Title 5">
+            <a:extLst>
+              <a:ext uri="{FF2B5EF4-FFF2-40B4-BE49-F238E27FC236}">
+                <a16:creationId xmlns:a16="http://schemas.microsoft.com/office/drawing/2014/main" id="{7C376708-27FB-47AF-ABE1-2D622AC8ED83}"/>
+              </a:ext>
+            </a:extLst>
+          </p:cNvPr>
+          <p:cNvSpPr>
+            <a:spLocks noGrp="1"/>
+          </p:cNvSpPr>
+          <p:nvPr>
+            <p:ph type="title"/>
+          </p:nvPr>
+        </p:nvSpPr>
+        <p:spPr/>
+        <p:txBody>
+          <a:bodyPr>
+            <a:normAutofit/>
+          </a:bodyPr>
+          <a:lstStyle/>
+          <a:p>
+            <a:r>
+              <a:rPr lang="es-ES" sz="3600" dirty="0"/>
+              <a:t>Lanzando Apps desde Visual Studio</a:t>
+            </a:r>
+            <a:endParaRPr lang="en-US" sz="3600" dirty="0"/>
+          </a:p>
+        </p:txBody>
+      </p:sp>
+      <p:pic>
+        <p:nvPicPr>
+          <p:cNvPr id="1030" name="Picture 6">
+            <a:extLst>
+              <a:ext uri="{FF2B5EF4-FFF2-40B4-BE49-F238E27FC236}">
+                <a16:creationId xmlns:a16="http://schemas.microsoft.com/office/drawing/2014/main" id="{7FE3A43C-27AB-4A12-BC6A-C8891AB5C733}"/>
+              </a:ext>
+            </a:extLst>
+          </p:cNvPr>
+          <p:cNvPicPr>
+            <a:picLocks noChangeAspect="1" noChangeArrowheads="1"/>
+          </p:cNvPicPr>
+          <p:nvPr/>
+        </p:nvPicPr>
+        <p:blipFill>
+          <a:blip r:embed="rId3">
+            <a:extLst>
+              <a:ext uri="{28A0092B-C50C-407E-A947-70E740481C1C}">
+                <a14:useLocalDpi xmlns:a14="http://schemas.microsoft.com/office/drawing/2010/main" val="0"/>
+              </a:ext>
+            </a:extLst>
+          </a:blip>
+          <a:srcRect/>
+          <a:stretch>
+            <a:fillRect/>
+          </a:stretch>
+        </p:blipFill>
+        <p:spPr bwMode="auto">
+          <a:xfrm>
+            <a:off x="104775" y="1947892"/>
+            <a:ext cx="11982450" cy="381000"/>
+          </a:xfrm>
+          <a:prstGeom prst="rect">
+            <a:avLst/>
+          </a:prstGeom>
+          <a:noFill/>
+          <a:extLst>
+            <a:ext uri="{909E8E84-426E-40DD-AFC4-6F175D3DCCD1}">
+              <a14:hiddenFill xmlns:a14="http://schemas.microsoft.com/office/drawing/2010/main">
+                <a:solidFill>
+                  <a:srgbClr val="FFFFFF"/>
+                </a:solidFill>
+              </a14:hiddenFill>
+            </a:ext>
+          </a:extLst>
+        </p:spPr>
+      </p:pic>
+      <p:pic>
+        <p:nvPicPr>
+          <p:cNvPr id="1032" name="Picture 8">
+            <a:extLst>
+              <a:ext uri="{FF2B5EF4-FFF2-40B4-BE49-F238E27FC236}">
+                <a16:creationId xmlns:a16="http://schemas.microsoft.com/office/drawing/2014/main" id="{AD06AB86-AF8C-4DE6-988B-7BF2898F48F1}"/>
+              </a:ext>
+            </a:extLst>
+          </p:cNvPr>
+          <p:cNvPicPr>
+            <a:picLocks noChangeAspect="1" noChangeArrowheads="1"/>
+          </p:cNvPicPr>
+          <p:nvPr/>
+        </p:nvPicPr>
+        <p:blipFill>
+          <a:blip r:embed="rId4">
+            <a:extLst>
+              <a:ext uri="{28A0092B-C50C-407E-A947-70E740481C1C}">
+                <a14:useLocalDpi xmlns:a14="http://schemas.microsoft.com/office/drawing/2010/main" val="0"/>
+              </a:ext>
+            </a:extLst>
+          </a:blip>
+          <a:srcRect/>
+          <a:stretch>
+            <a:fillRect/>
+          </a:stretch>
+        </p:blipFill>
+        <p:spPr bwMode="auto">
+          <a:xfrm>
+            <a:off x="4191000" y="3383265"/>
+            <a:ext cx="3810000" cy="6772275"/>
+          </a:xfrm>
+          <a:prstGeom prst="rect">
+            <a:avLst/>
+          </a:prstGeom>
+          <a:noFill/>
+          <a:extLst>
+            <a:ext uri="{909E8E84-426E-40DD-AFC4-6F175D3DCCD1}">
+              <a14:hiddenFill xmlns:a14="http://schemas.microsoft.com/office/drawing/2010/main">
+                <a:solidFill>
+                  <a:srgbClr val="FFFFFF"/>
+                </a:solidFill>
+              </a14:hiddenFill>
+            </a:ext>
+          </a:extLst>
+        </p:spPr>
+      </p:pic>
+    </p:spTree>
+    <p:extLst>
+      <p:ext uri="{BB962C8B-B14F-4D97-AF65-F5344CB8AC3E}">
+        <p14:creationId xmlns:p14="http://schemas.microsoft.com/office/powerpoint/2010/main" val="1113948976"/>
+      </p:ext>
+    </p:extLst>
+  </p:cSld>
+  <p:clrMapOvr>
+    <a:masterClrMapping/>
+  </p:clrMapOvr>
+  <p:timing>
+    <p:tnLst>
+      <p:par>
+        <p:cTn id="1" dur="indefinite" restart="never" nodeType="tmRoot">
+          <p:childTnLst>
+            <p:seq concurrent="1" nextAc="seek">
+              <p:cTn id="2" dur="indefinite" nodeType="mainSeq">
+                <p:childTnLst>
+                  <p:par>
+                    <p:cTn id="3" fill="hold">
+                      <p:stCondLst>
+                        <p:cond delay="indefinite"/>
+                        <p:cond evt="onBegin" delay="0">
+                          <p:tn val="2"/>
+                        </p:cond>
+                      </p:stCondLst>
+                      <p:childTnLst>
+                        <p:par>
+                          <p:cTn id="4" fill="hold">
+                            <p:stCondLst>
+                              <p:cond delay="0"/>
+                            </p:stCondLst>
+                            <p:childTnLst>
+                              <p:par>
+                                <p:cTn id="5" presetID="10" presetClass="entr" presetSubtype="0" fill="hold" grpId="0" nodeType="afterEffect">
+                                  <p:stCondLst>
+                                    <p:cond delay="0"/>
+                                  </p:stCondLst>
+                                  <p:childTnLst>
+                                    <p:set>
+                                      <p:cBhvr>
+                                        <p:cTn id="6" dur="1" fill="hold">
+                                          <p:stCondLst>
+                                            <p:cond delay="0"/>
+                                          </p:stCondLst>
+                                        </p:cTn>
+                                        <p:tgtEl>
+                                          <p:spTgt spid="11">
+                                            <p:txEl>
+                                              <p:pRg st="0" end="0"/>
+                                            </p:txEl>
+                                          </p:spTgt>
+                                        </p:tgtEl>
+                                        <p:attrNameLst>
+                                          <p:attrName>style.visibility</p:attrName>
+                                        </p:attrNameLst>
+                                      </p:cBhvr>
+                                      <p:to>
+                                        <p:strVal val="visible"/>
+                                      </p:to>
+                                    </p:set>
+                                    <p:animEffect transition="in" filter="fade">
+                                      <p:cBhvr>
+                                        <p:cTn id="7" dur="500"/>
+                                        <p:tgtEl>
+                                          <p:spTgt spid="11">
+                                            <p:txEl>
+                                              <p:pRg st="0" end="0"/>
+                                            </p:txEl>
+                                          </p:spTgt>
+                                        </p:tgtEl>
+                                      </p:cBhvr>
+                                    </p:animEffect>
+                                  </p:childTnLst>
+                                </p:cTn>
+                              </p:par>
+                            </p:childTnLst>
+                          </p:cTn>
+                        </p:par>
+                      </p:childTnLst>
+                    </p:cTn>
+                  </p:par>
+                  <p:par>
+                    <p:cTn id="8" fill="hold">
+                      <p:stCondLst>
+                        <p:cond delay="indefinite"/>
+                      </p:stCondLst>
+                      <p:childTnLst>
+                        <p:par>
+                          <p:cTn id="9" fill="hold">
+                            <p:stCondLst>
+                              <p:cond delay="0"/>
+                            </p:stCondLst>
+                            <p:childTnLst>
+                              <p:par>
+                                <p:cTn id="10" presetID="10" presetClass="entr" presetSubtype="0" fill="hold" grpId="0" nodeType="clickEffect">
+                                  <p:stCondLst>
+                                    <p:cond delay="0"/>
+                                  </p:stCondLst>
+                                  <p:childTnLst>
+                                    <p:set>
+                                      <p:cBhvr>
+                                        <p:cTn id="11" dur="1" fill="hold">
+                                          <p:stCondLst>
+                                            <p:cond delay="0"/>
+                                          </p:stCondLst>
+                                        </p:cTn>
+                                        <p:tgtEl>
+                                          <p:spTgt spid="11">
+                                            <p:txEl>
+                                              <p:pRg st="4" end="4"/>
+                                            </p:txEl>
+                                          </p:spTgt>
+                                        </p:tgtEl>
+                                        <p:attrNameLst>
+                                          <p:attrName>style.visibility</p:attrName>
+                                        </p:attrNameLst>
+                                      </p:cBhvr>
+                                      <p:to>
+                                        <p:strVal val="visible"/>
+                                      </p:to>
+                                    </p:set>
+                                    <p:animEffect transition="in" filter="fade">
+                                      <p:cBhvr>
+                                        <p:cTn id="12" dur="500"/>
+                                        <p:tgtEl>
+                                          <p:spTgt spid="11">
+                                            <p:txEl>
+                                              <p:pRg st="4" end="4"/>
+                                            </p:txEl>
+                                          </p:spTgt>
+                                        </p:tgtEl>
+                                      </p:cBhvr>
+                                    </p:animEffect>
+                                  </p:childTnLst>
+                                </p:cTn>
+                              </p:par>
+                            </p:childTnLst>
+                          </p:cTn>
+                        </p:par>
+                      </p:childTnLst>
+                    </p:cTn>
+                  </p:par>
+                </p:childTnLst>
+              </p:cTn>
+              <p:prevCondLst>
+                <p:cond evt="onPrev" delay="0">
+                  <p:tgtEl>
+                    <p:sldTgt/>
+                  </p:tgtEl>
+                </p:cond>
+              </p:prevCondLst>
+              <p:nextCondLst>
+                <p:cond evt="onNext" delay="0">
+                  <p:tgtEl>
+                    <p:sldTgt/>
+                  </p:tgtEl>
+                </p:cond>
+              </p:nextCondLst>
+            </p:seq>
+          </p:childTnLst>
+        </p:cTn>
+      </p:par>
+    </p:tnLst>
+    <p:bldLst>
+      <p:bldP spid="11" grpId="0" uiExpand="1" build="p"/>
+    </p:bldLst>
+  </p:timing>
+</p:sld>
+</file>
+
+<file path=ppt/slides/slide4.xml><?xml version="1.0" encoding="utf-8"?>
+<p:sld xmlns:a="http://schemas.openxmlformats.org/drawingml/2006/main" xmlns:r="http://schemas.openxmlformats.org/officeDocument/2006/relationships" xmlns:p="http://schemas.openxmlformats.org/presentationml/2006/main">
+  <p:cSld>
+    <p:spTree>
+      <p:nvGrpSpPr>
+        <p:cNvPr id="1" name=""/>
+        <p:cNvGrpSpPr/>
+        <p:nvPr/>
+      </p:nvGrpSpPr>
+      <p:grpSpPr>
+        <a:xfrm>
+          <a:off x="0" y="0"/>
+          <a:ext cx="0" cy="0"/>
+          <a:chOff x="0" y="0"/>
+          <a:chExt cx="0" cy="0"/>
+        </a:xfrm>
+      </p:grpSpPr>
+      <p:sp>
+        <p:nvSpPr>
+          <p:cNvPr id="3" name="Title 2">
+            <a:extLst>
+              <a:ext uri="{FF2B5EF4-FFF2-40B4-BE49-F238E27FC236}">
+                <a16:creationId xmlns:a16="http://schemas.microsoft.com/office/drawing/2014/main" id="{652E2BA4-9FC0-4828-A940-3704183398DF}"/>
+              </a:ext>
+            </a:extLst>
+          </p:cNvPr>
+          <p:cNvSpPr>
+            <a:spLocks noGrp="1"/>
+          </p:cNvSpPr>
+          <p:nvPr>
+            <p:ph type="title"/>
+          </p:nvPr>
+        </p:nvSpPr>
+        <p:spPr/>
+        <p:txBody>
+          <a:bodyPr/>
+          <a:lstStyle/>
+          <a:p>
+            <a:r>
+              <a:rPr lang="es-ES" sz="7200" dirty="0" err="1">
+                <a:solidFill>
+                  <a:schemeClr val="bg1"/>
+                </a:solidFill>
+              </a:rPr>
+              <a:t>Linea</a:t>
+            </a:r>
+            <a:r>
+              <a:rPr lang="es-ES" sz="7200" dirty="0">
+                <a:solidFill>
+                  <a:schemeClr val="bg1"/>
+                </a:solidFill>
+              </a:rPr>
+              <a:t> de comandos</a:t>
+            </a:r>
+            <a:endParaRPr lang="en-US" sz="7200" dirty="0">
+              <a:solidFill>
+                <a:schemeClr val="bg1"/>
+              </a:solidFill>
+            </a:endParaRPr>
+          </a:p>
+        </p:txBody>
+      </p:sp>
+    </p:spTree>
+    <p:extLst>
+      <p:ext uri="{BB962C8B-B14F-4D97-AF65-F5344CB8AC3E}">
+        <p14:creationId xmlns:p14="http://schemas.microsoft.com/office/powerpoint/2010/main" val="4110506910"/>
+      </p:ext>
+    </p:extLst>
+  </p:cSld>
+  <p:clrMapOvr>
+    <a:masterClrMapping/>
+  </p:clrMapOvr>
+  <p:transition spd="med"/>
+</p:sld>
+</file>
+
+<file path=ppt/slides/slide5.xml><?xml version="1.0" encoding="utf-8"?>
+<p:sld xmlns:a="http://schemas.openxmlformats.org/drawingml/2006/main" xmlns:r="http://schemas.openxmlformats.org/officeDocument/2006/relationships" xmlns:p="http://schemas.openxmlformats.org/presentationml/2006/main">
+  <p:cSld>
+    <p:spTree>
+      <p:nvGrpSpPr>
+        <p:cNvPr id="1" name=""/>
+        <p:cNvGrpSpPr/>
+        <p:nvPr/>
+      </p:nvGrpSpPr>
+      <p:grpSpPr>
+        <a:xfrm>
+          <a:off x="0" y="0"/>
+          <a:ext cx="0" cy="0"/>
+          <a:chOff x="0" y="0"/>
+          <a:chExt cx="0" cy="0"/>
+        </a:xfrm>
+      </p:grpSpPr>
+      <p:sp>
+        <p:nvSpPr>
+          <p:cNvPr id="11" name="TextBox 10">
+            <a:extLst>
+              <a:ext uri="{FF2B5EF4-FFF2-40B4-BE49-F238E27FC236}">
+                <a16:creationId xmlns:a16="http://schemas.microsoft.com/office/drawing/2014/main" id="{C0E7814F-772A-488B-9829-94D3C5B349DF}"/>
+              </a:ext>
+            </a:extLst>
+          </p:cNvPr>
+          <p:cNvSpPr txBox="1"/>
+          <p:nvPr/>
+        </p:nvSpPr>
+        <p:spPr>
+          <a:xfrm>
+            <a:off x="269240" y="1419113"/>
+            <a:ext cx="11655840" cy="400110"/>
+          </a:xfrm>
+          <a:prstGeom prst="rect">
+            <a:avLst/>
+          </a:prstGeom>
+          <a:noFill/>
+        </p:spPr>
+        <p:txBody>
+          <a:bodyPr wrap="square">
+            <a:spAutoFit/>
+          </a:bodyPr>
+          <a:lstStyle/>
+          <a:p>
+            <a:pPr marL="0" marR="0" lvl="0" indent="0" algn="l" defTabSz="914400" rtl="0" eaLnBrk="1" fontAlgn="auto" latinLnBrk="0" hangingPunct="1">
+              <a:lnSpc>
+                <a:spcPct val="100000"/>
+              </a:lnSpc>
+              <a:spcBef>
+                <a:spcPts val="0"/>
+              </a:spcBef>
+              <a:spcAft>
+                <a:spcPts val="0"/>
+              </a:spcAft>
+              <a:buClrTx/>
+              <a:buSzTx/>
+              <a:buFontTx/>
+              <a:buNone/>
+              <a:tabLst/>
+              <a:defRPr/>
+            </a:pPr>
+            <a:r>
+              <a:rPr lang="es-ES" sz="2000" dirty="0">
+                <a:latin typeface="Open Sans" panose="020B0606030504020204" pitchFamily="34" charset="0"/>
+                <a:ea typeface="Open Sans" panose="020B0606030504020204" pitchFamily="34" charset="0"/>
+                <a:cs typeface="Open Sans" panose="020B0606030504020204" pitchFamily="34" charset="0"/>
+              </a:rPr>
+              <a:t>También es posible lanzar Apps .NET MAUI desde la línea de comandos:</a:t>
+            </a:r>
+          </a:p>
+        </p:txBody>
+      </p:sp>
+      <p:sp>
+        <p:nvSpPr>
+          <p:cNvPr id="6" name="Title 5">
+            <a:extLst>
+              <a:ext uri="{FF2B5EF4-FFF2-40B4-BE49-F238E27FC236}">
+                <a16:creationId xmlns:a16="http://schemas.microsoft.com/office/drawing/2014/main" id="{7C376708-27FB-47AF-ABE1-2D622AC8ED83}"/>
+              </a:ext>
+            </a:extLst>
+          </p:cNvPr>
+          <p:cNvSpPr>
+            <a:spLocks noGrp="1"/>
+          </p:cNvSpPr>
+          <p:nvPr>
+            <p:ph type="title"/>
+          </p:nvPr>
+        </p:nvSpPr>
+        <p:spPr/>
+        <p:txBody>
+          <a:bodyPr>
+            <a:normAutofit/>
+          </a:bodyPr>
+          <a:lstStyle/>
+          <a:p>
+            <a:r>
+              <a:rPr lang="es-ES" sz="3600" dirty="0"/>
+              <a:t>Lanzando Apps desde línea de comandos</a:t>
+            </a:r>
+            <a:endParaRPr lang="en-US" sz="3600" dirty="0"/>
+          </a:p>
+        </p:txBody>
+      </p:sp>
+      <p:sp>
+        <p:nvSpPr>
+          <p:cNvPr id="2" name="Rectangle 1">
+            <a:extLst>
+              <a:ext uri="{FF2B5EF4-FFF2-40B4-BE49-F238E27FC236}">
+                <a16:creationId xmlns:a16="http://schemas.microsoft.com/office/drawing/2014/main" id="{168D394B-1F14-4C02-95A4-4F789DCF7275}"/>
+              </a:ext>
+            </a:extLst>
+          </p:cNvPr>
+          <p:cNvSpPr>
+            <a:spLocks noChangeArrowheads="1"/>
+          </p:cNvSpPr>
+          <p:nvPr/>
+        </p:nvSpPr>
+        <p:spPr bwMode="auto">
+          <a:xfrm>
+            <a:off x="391789" y="1958463"/>
+            <a:ext cx="6711774" cy="276999"/>
+          </a:xfrm>
+          <a:prstGeom prst="rect">
+            <a:avLst/>
+          </a:prstGeom>
+          <a:solidFill>
+            <a:srgbClr val="FFFFFF"/>
+          </a:solidFill>
+          <a:ln>
+            <a:noFill/>
+          </a:ln>
+          <a:effectLst/>
+          <a:extLst>
+            <a:ext uri="{91240B29-F687-4F45-9708-019B960494DF}">
+              <a14:hiddenLine xmlns:a14="http://schemas.microsoft.com/office/drawing/2010/main" w="9525">
+                <a:solidFill>
+                  <a:schemeClr val="tx1"/>
+                </a:solidFill>
+                <a:miter lim="800000"/>
+                <a:headEnd/>
+                <a:tailEnd/>
+              </a14:hiddenLine>
+            </a:ext>
+            <a:ext uri="{AF507438-7753-43E0-B8FC-AC1667EBCBE1}">
+              <a14:hiddenEffects xmlns:a14="http://schemas.microsoft.com/office/drawing/2010/main">
+                <a:effectLst>
+                  <a:outerShdw dist="35921" dir="2700000" algn="ctr" rotWithShape="0">
+                    <a:schemeClr val="bg2"/>
+                  </a:outerShdw>
+                </a:effectLst>
+              </a14:hiddenEffects>
+            </a:ext>
+          </a:extLst>
+        </p:spPr>
+        <p:txBody>
+          <a:bodyPr vert="horz" wrap="none" lIns="0" tIns="0" rIns="0" bIns="0" numCol="1" anchor="ctr" anchorCtr="0" compatLnSpc="1">
+            <a:prstTxWarp prst="textNoShape">
+              <a:avLst/>
+            </a:prstTxWarp>
+            <a:spAutoFit/>
+          </a:bodyPr>
+          <a:lstStyle>
+            <a:lvl1pPr eaLnBrk="0" fontAlgn="base" hangingPunct="0">
+              <a:spcBef>
+                <a:spcPct val="0"/>
+              </a:spcBef>
+              <a:spcAft>
+                <a:spcPct val="0"/>
+              </a:spcAft>
+              <a:defRPr>
+                <a:solidFill>
+                  <a:schemeClr val="tx1"/>
+                </a:solidFill>
+                <a:latin typeface="Arial" panose="020B0604020202020204" pitchFamily="34" charset="0"/>
+              </a:defRPr>
+            </a:lvl1pPr>
+            <a:lvl2pPr eaLnBrk="0" fontAlgn="base" hangingPunct="0">
+              <a:spcBef>
+                <a:spcPct val="0"/>
+              </a:spcBef>
+              <a:spcAft>
+                <a:spcPct val="0"/>
+              </a:spcAft>
+              <a:defRPr>
+                <a:solidFill>
+                  <a:schemeClr val="tx1"/>
+                </a:solidFill>
+                <a:latin typeface="Arial" panose="020B0604020202020204" pitchFamily="34" charset="0"/>
+              </a:defRPr>
+            </a:lvl2pPr>
+            <a:lvl3pPr eaLnBrk="0" fontAlgn="base" hangingPunct="0">
+              <a:spcBef>
+                <a:spcPct val="0"/>
+              </a:spcBef>
+              <a:spcAft>
+                <a:spcPct val="0"/>
+              </a:spcAft>
+              <a:defRPr>
+                <a:solidFill>
+                  <a:schemeClr val="tx1"/>
+                </a:solidFill>
+                <a:latin typeface="Arial" panose="020B0604020202020204" pitchFamily="34" charset="0"/>
+              </a:defRPr>
+            </a:lvl3pPr>
+            <a:lvl4pPr eaLnBrk="0" fontAlgn="base" hangingPunct="0">
+              <a:spcBef>
+                <a:spcPct val="0"/>
+              </a:spcBef>
+              <a:spcAft>
+                <a:spcPct val="0"/>
+              </a:spcAft>
+              <a:defRPr>
+                <a:solidFill>
+                  <a:schemeClr val="tx1"/>
+                </a:solidFill>
+                <a:latin typeface="Arial" panose="020B0604020202020204" pitchFamily="34" charset="0"/>
+              </a:defRPr>
+            </a:lvl4pPr>
+            <a:lvl5pPr eaLnBrk="0" fontAlgn="base" hangingPunct="0">
+              <a:spcBef>
+                <a:spcPct val="0"/>
+              </a:spcBef>
+              <a:spcAft>
+                <a:spcPct val="0"/>
+              </a:spcAft>
+              <a:defRPr>
+                <a:solidFill>
+                  <a:schemeClr val="tx1"/>
+                </a:solidFill>
+                <a:latin typeface="Arial" panose="020B0604020202020204" pitchFamily="34" charset="0"/>
+              </a:defRPr>
+            </a:lvl5pPr>
+            <a:lvl6pPr eaLnBrk="0" fontAlgn="base" hangingPunct="0">
+              <a:spcBef>
+                <a:spcPct val="0"/>
+              </a:spcBef>
+              <a:spcAft>
+                <a:spcPct val="0"/>
+              </a:spcAft>
+              <a:defRPr>
+                <a:solidFill>
+                  <a:schemeClr val="tx1"/>
+                </a:solidFill>
+                <a:latin typeface="Arial" panose="020B0604020202020204" pitchFamily="34" charset="0"/>
+              </a:defRPr>
+            </a:lvl6pPr>
+            <a:lvl7pPr eaLnBrk="0" fontAlgn="base" hangingPunct="0">
+              <a:spcBef>
+                <a:spcPct val="0"/>
+              </a:spcBef>
+              <a:spcAft>
+                <a:spcPct val="0"/>
+              </a:spcAft>
+              <a:defRPr>
+                <a:solidFill>
+                  <a:schemeClr val="tx1"/>
+                </a:solidFill>
+                <a:latin typeface="Arial" panose="020B0604020202020204" pitchFamily="34" charset="0"/>
+              </a:defRPr>
+            </a:lvl7pPr>
+            <a:lvl8pPr eaLnBrk="0" fontAlgn="base" hangingPunct="0">
+              <a:spcBef>
+                <a:spcPct val="0"/>
+              </a:spcBef>
+              <a:spcAft>
+                <a:spcPct val="0"/>
+              </a:spcAft>
+              <a:defRPr>
+                <a:solidFill>
+                  <a:schemeClr val="tx1"/>
+                </a:solidFill>
+                <a:latin typeface="Arial" panose="020B0604020202020204" pitchFamily="34" charset="0"/>
+              </a:defRPr>
+            </a:lvl8pPr>
+            <a:lvl9pPr eaLnBrk="0" fontAlgn="base" hangingPunct="0">
+              <a:spcBef>
+                <a:spcPct val="0"/>
+              </a:spcBef>
+              <a:spcAft>
+                <a:spcPct val="0"/>
+              </a:spcAft>
+              <a:defRPr>
+                <a:solidFill>
+                  <a:schemeClr val="tx1"/>
+                </a:solidFill>
+                <a:latin typeface="Arial" panose="020B0604020202020204" pitchFamily="34" charset="0"/>
+              </a:defRPr>
+            </a:lvl9pPr>
+          </a:lstStyle>
+          <a:p>
+            <a:pPr marL="0" marR="0" lvl="0" indent="0" algn="l" defTabSz="914400" rtl="0" eaLnBrk="0" fontAlgn="base" latinLnBrk="0" hangingPunct="0">
+              <a:lnSpc>
+                <a:spcPct val="100000"/>
+              </a:lnSpc>
+              <a:spcBef>
+                <a:spcPct val="0"/>
+              </a:spcBef>
+              <a:spcAft>
+                <a:spcPct val="0"/>
+              </a:spcAft>
+              <a:buClrTx/>
+              <a:buSzTx/>
+              <a:buFontTx/>
+              <a:buNone/>
+              <a:tabLst/>
+            </a:pPr>
+            <a:r>
+              <a:rPr kumimoji="0" lang="en-US" altLang="en-US" b="0" i="0" u="none" strike="noStrike" cap="none" normalizeH="0" baseline="0" dirty="0">
+                <a:ln>
+                  <a:noFill/>
+                </a:ln>
+                <a:solidFill>
+                  <a:srgbClr val="24292F"/>
+                </a:solidFill>
+                <a:effectLst/>
+                <a:latin typeface="Consolas" panose="020B0609020204030204" pitchFamily="49" charset="0"/>
+              </a:rPr>
+              <a:t>dotnet build {</a:t>
+            </a:r>
+            <a:r>
+              <a:rPr kumimoji="0" lang="en-US" altLang="en-US" b="0" i="0" u="none" strike="noStrike" cap="none" normalizeH="0" baseline="0" dirty="0" err="1">
+                <a:ln>
+                  <a:noFill/>
+                </a:ln>
+                <a:solidFill>
+                  <a:srgbClr val="24292F"/>
+                </a:solidFill>
+                <a:effectLst/>
+                <a:latin typeface="Consolas" panose="020B0609020204030204" pitchFamily="49" charset="0"/>
+              </a:rPr>
+              <a:t>ProjectName</a:t>
+            </a:r>
+            <a:r>
+              <a:rPr kumimoji="0" lang="en-US" altLang="en-US" b="0" i="0" u="none" strike="noStrike" cap="none" normalizeH="0" baseline="0" dirty="0">
+                <a:ln>
+                  <a:noFill/>
+                </a:ln>
+                <a:solidFill>
+                  <a:srgbClr val="24292F"/>
+                </a:solidFill>
+                <a:effectLst/>
+                <a:latin typeface="Consolas" panose="020B0609020204030204" pitchFamily="49" charset="0"/>
+              </a:rPr>
+              <a:t>} -</a:t>
+            </a:r>
+            <a:r>
+              <a:rPr kumimoji="0" lang="en-US" altLang="en-US" b="0" i="0" u="none" strike="noStrike" cap="none" normalizeH="0" baseline="0" dirty="0" err="1">
+                <a:ln>
+                  <a:noFill/>
+                </a:ln>
+                <a:solidFill>
+                  <a:srgbClr val="24292F"/>
+                </a:solidFill>
+                <a:effectLst/>
+                <a:latin typeface="Consolas" panose="020B0609020204030204" pitchFamily="49" charset="0"/>
+              </a:rPr>
+              <a:t>t:Run</a:t>
+            </a:r>
+            <a:r>
+              <a:rPr kumimoji="0" lang="en-US" altLang="en-US" b="0" i="0" u="none" strike="noStrike" cap="none" normalizeH="0" baseline="0" dirty="0">
+                <a:ln>
+                  <a:noFill/>
+                </a:ln>
+                <a:solidFill>
+                  <a:srgbClr val="24292F"/>
+                </a:solidFill>
+                <a:effectLst/>
+                <a:latin typeface="Consolas" panose="020B0609020204030204" pitchFamily="49" charset="0"/>
+              </a:rPr>
+              <a:t> -f net6.0-{target}</a:t>
+            </a:r>
+            <a:endParaRPr kumimoji="0" lang="en-US" altLang="en-US" b="0" i="0" u="none" strike="noStrike" cap="none" normalizeH="0" baseline="0" dirty="0">
+              <a:ln>
+                <a:noFill/>
+              </a:ln>
+              <a:solidFill>
+                <a:schemeClr val="tx1"/>
+              </a:solidFill>
+              <a:effectLst/>
+              <a:latin typeface="Consolas" panose="020B0609020204030204" pitchFamily="49" charset="0"/>
+            </a:endParaRPr>
+          </a:p>
+        </p:txBody>
+      </p:sp>
+      <p:sp>
+        <p:nvSpPr>
+          <p:cNvPr id="7" name="Rectangle 6">
+            <a:extLst>
+              <a:ext uri="{FF2B5EF4-FFF2-40B4-BE49-F238E27FC236}">
+                <a16:creationId xmlns:a16="http://schemas.microsoft.com/office/drawing/2014/main" id="{2D3D75AA-E7ED-48A5-A9FF-A9F2EDD5F98B}"/>
+              </a:ext>
+            </a:extLst>
+          </p:cNvPr>
+          <p:cNvSpPr>
+            <a:spLocks noChangeArrowheads="1"/>
+          </p:cNvSpPr>
+          <p:nvPr/>
+        </p:nvSpPr>
+        <p:spPr bwMode="auto">
+          <a:xfrm>
+            <a:off x="391789" y="2574916"/>
+            <a:ext cx="6458499" cy="1107996"/>
+          </a:xfrm>
+          <a:prstGeom prst="rect">
+            <a:avLst/>
+          </a:prstGeom>
+          <a:solidFill>
+            <a:srgbClr val="FFFFFF"/>
+          </a:solidFill>
+          <a:ln>
+            <a:noFill/>
+          </a:ln>
+          <a:effectLst/>
+          <a:extLst>
+            <a:ext uri="{91240B29-F687-4F45-9708-019B960494DF}">
+              <a14:hiddenLine xmlns:a14="http://schemas.microsoft.com/office/drawing/2010/main" w="9525">
+                <a:solidFill>
+                  <a:schemeClr val="tx1"/>
+                </a:solidFill>
+                <a:miter lim="800000"/>
+                <a:headEnd/>
+                <a:tailEnd/>
+              </a14:hiddenLine>
+            </a:ext>
+            <a:ext uri="{AF507438-7753-43E0-B8FC-AC1667EBCBE1}">
+              <a14:hiddenEffects xmlns:a14="http://schemas.microsoft.com/office/drawing/2010/main">
+                <a:effectLst>
+                  <a:outerShdw dist="35921" dir="2700000" algn="ctr" rotWithShape="0">
+                    <a:schemeClr val="bg2"/>
+                  </a:outerShdw>
+                </a:effectLst>
+              </a14:hiddenEffects>
+            </a:ext>
+          </a:extLst>
+        </p:spPr>
+        <p:txBody>
+          <a:bodyPr vert="horz" wrap="none" lIns="0" tIns="0" rIns="0" bIns="0" numCol="1" anchor="ctr" anchorCtr="0" compatLnSpc="1">
+            <a:prstTxWarp prst="textNoShape">
+              <a:avLst/>
+            </a:prstTxWarp>
+            <a:spAutoFit/>
+          </a:bodyPr>
+          <a:lstStyle>
+            <a:lvl1pPr eaLnBrk="0" fontAlgn="base" hangingPunct="0">
+              <a:spcBef>
+                <a:spcPct val="0"/>
+              </a:spcBef>
+              <a:spcAft>
+                <a:spcPct val="0"/>
+              </a:spcAft>
+              <a:defRPr>
+                <a:solidFill>
+                  <a:schemeClr val="tx1"/>
+                </a:solidFill>
+                <a:latin typeface="Arial" panose="020B0604020202020204" pitchFamily="34" charset="0"/>
+              </a:defRPr>
+            </a:lvl1pPr>
+            <a:lvl2pPr eaLnBrk="0" fontAlgn="base" hangingPunct="0">
+              <a:spcBef>
+                <a:spcPct val="0"/>
+              </a:spcBef>
+              <a:spcAft>
+                <a:spcPct val="0"/>
+              </a:spcAft>
+              <a:defRPr>
+                <a:solidFill>
+                  <a:schemeClr val="tx1"/>
+                </a:solidFill>
+                <a:latin typeface="Arial" panose="020B0604020202020204" pitchFamily="34" charset="0"/>
+              </a:defRPr>
+            </a:lvl2pPr>
+            <a:lvl3pPr eaLnBrk="0" fontAlgn="base" hangingPunct="0">
+              <a:spcBef>
+                <a:spcPct val="0"/>
+              </a:spcBef>
+              <a:spcAft>
+                <a:spcPct val="0"/>
+              </a:spcAft>
+              <a:defRPr>
+                <a:solidFill>
+                  <a:schemeClr val="tx1"/>
+                </a:solidFill>
+                <a:latin typeface="Arial" panose="020B0604020202020204" pitchFamily="34" charset="0"/>
+              </a:defRPr>
+            </a:lvl3pPr>
+            <a:lvl4pPr eaLnBrk="0" fontAlgn="base" hangingPunct="0">
+              <a:spcBef>
+                <a:spcPct val="0"/>
+              </a:spcBef>
+              <a:spcAft>
+                <a:spcPct val="0"/>
+              </a:spcAft>
+              <a:defRPr>
+                <a:solidFill>
+                  <a:schemeClr val="tx1"/>
+                </a:solidFill>
+                <a:latin typeface="Arial" panose="020B0604020202020204" pitchFamily="34" charset="0"/>
+              </a:defRPr>
+            </a:lvl4pPr>
+            <a:lvl5pPr eaLnBrk="0" fontAlgn="base" hangingPunct="0">
+              <a:spcBef>
+                <a:spcPct val="0"/>
+              </a:spcBef>
+              <a:spcAft>
+                <a:spcPct val="0"/>
+              </a:spcAft>
+              <a:defRPr>
+                <a:solidFill>
+                  <a:schemeClr val="tx1"/>
+                </a:solidFill>
+                <a:latin typeface="Arial" panose="020B0604020202020204" pitchFamily="34" charset="0"/>
+              </a:defRPr>
+            </a:lvl5pPr>
+            <a:lvl6pPr eaLnBrk="0" fontAlgn="base" hangingPunct="0">
+              <a:spcBef>
+                <a:spcPct val="0"/>
+              </a:spcBef>
+              <a:spcAft>
+                <a:spcPct val="0"/>
+              </a:spcAft>
+              <a:defRPr>
+                <a:solidFill>
+                  <a:schemeClr val="tx1"/>
+                </a:solidFill>
+                <a:latin typeface="Arial" panose="020B0604020202020204" pitchFamily="34" charset="0"/>
+              </a:defRPr>
+            </a:lvl6pPr>
+            <a:lvl7pPr eaLnBrk="0" fontAlgn="base" hangingPunct="0">
+              <a:spcBef>
+                <a:spcPct val="0"/>
+              </a:spcBef>
+              <a:spcAft>
+                <a:spcPct val="0"/>
+              </a:spcAft>
+              <a:defRPr>
+                <a:solidFill>
+                  <a:schemeClr val="tx1"/>
+                </a:solidFill>
+                <a:latin typeface="Arial" panose="020B0604020202020204" pitchFamily="34" charset="0"/>
+              </a:defRPr>
+            </a:lvl7pPr>
+            <a:lvl8pPr eaLnBrk="0" fontAlgn="base" hangingPunct="0">
+              <a:spcBef>
+                <a:spcPct val="0"/>
+              </a:spcBef>
+              <a:spcAft>
+                <a:spcPct val="0"/>
+              </a:spcAft>
+              <a:defRPr>
+                <a:solidFill>
+                  <a:schemeClr val="tx1"/>
+                </a:solidFill>
+                <a:latin typeface="Arial" panose="020B0604020202020204" pitchFamily="34" charset="0"/>
+              </a:defRPr>
+            </a:lvl8pPr>
+            <a:lvl9pPr eaLnBrk="0" fontAlgn="base" hangingPunct="0">
+              <a:spcBef>
+                <a:spcPct val="0"/>
+              </a:spcBef>
+              <a:spcAft>
+                <a:spcPct val="0"/>
+              </a:spcAft>
+              <a:defRPr>
+                <a:solidFill>
+                  <a:schemeClr val="tx1"/>
+                </a:solidFill>
+                <a:latin typeface="Arial" panose="020B0604020202020204" pitchFamily="34" charset="0"/>
+              </a:defRPr>
+            </a:lvl9pPr>
+          </a:lstStyle>
+          <a:p>
+            <a:pPr marL="0" marR="0" lvl="0" indent="0" algn="l" defTabSz="914400" rtl="0" eaLnBrk="0" fontAlgn="base" latinLnBrk="0" hangingPunct="0">
+              <a:lnSpc>
+                <a:spcPct val="100000"/>
+              </a:lnSpc>
+              <a:spcBef>
+                <a:spcPct val="0"/>
+              </a:spcBef>
+              <a:spcAft>
+                <a:spcPct val="0"/>
+              </a:spcAft>
+              <a:buClrTx/>
+              <a:buSzTx/>
+              <a:buFontTx/>
+              <a:buNone/>
+              <a:tabLst/>
+            </a:pPr>
+            <a:r>
+              <a:rPr kumimoji="0" lang="en-US" altLang="en-US" b="0" i="0" u="none" strike="noStrike" cap="none" normalizeH="0" baseline="0" dirty="0">
+                <a:ln>
+                  <a:noFill/>
+                </a:ln>
+                <a:solidFill>
+                  <a:srgbClr val="24292F"/>
+                </a:solidFill>
+                <a:effectLst/>
+                <a:latin typeface="Consolas" panose="020B0609020204030204" pitchFamily="49" charset="0"/>
+              </a:rPr>
+              <a:t>dotnet build {</a:t>
+            </a:r>
+            <a:r>
+              <a:rPr kumimoji="0" lang="en-US" altLang="en-US" b="0" i="0" u="none" strike="noStrike" cap="none" normalizeH="0" baseline="0" dirty="0" err="1">
+                <a:ln>
+                  <a:noFill/>
+                </a:ln>
+                <a:solidFill>
+                  <a:srgbClr val="24292F"/>
+                </a:solidFill>
+                <a:effectLst/>
+                <a:latin typeface="Consolas" panose="020B0609020204030204" pitchFamily="49" charset="0"/>
+              </a:rPr>
+              <a:t>ProjectName</a:t>
+            </a:r>
+            <a:r>
+              <a:rPr kumimoji="0" lang="en-US" altLang="en-US" b="0" i="0" u="none" strike="noStrike" cap="none" normalizeH="0" baseline="0" dirty="0">
+                <a:ln>
+                  <a:noFill/>
+                </a:ln>
+                <a:solidFill>
+                  <a:srgbClr val="24292F"/>
+                </a:solidFill>
+                <a:effectLst/>
+                <a:latin typeface="Consolas" panose="020B0609020204030204" pitchFamily="49" charset="0"/>
+              </a:rPr>
+              <a:t>} -</a:t>
+            </a:r>
+            <a:r>
+              <a:rPr kumimoji="0" lang="en-US" altLang="en-US" b="0" i="0" u="none" strike="noStrike" cap="none" normalizeH="0" baseline="0" dirty="0" err="1">
+                <a:ln>
+                  <a:noFill/>
+                </a:ln>
+                <a:solidFill>
+                  <a:srgbClr val="24292F"/>
+                </a:solidFill>
+                <a:effectLst/>
+                <a:latin typeface="Consolas" panose="020B0609020204030204" pitchFamily="49" charset="0"/>
+              </a:rPr>
+              <a:t>t:Run</a:t>
+            </a:r>
+            <a:r>
+              <a:rPr kumimoji="0" lang="en-US" altLang="en-US" b="0" i="0" u="none" strike="noStrike" cap="none" normalizeH="0" baseline="0" dirty="0">
+                <a:ln>
+                  <a:noFill/>
+                </a:ln>
+                <a:solidFill>
+                  <a:srgbClr val="24292F"/>
+                </a:solidFill>
+                <a:effectLst/>
+                <a:latin typeface="Consolas" panose="020B0609020204030204" pitchFamily="49" charset="0"/>
+              </a:rPr>
+              <a:t> -f net6.0-android</a:t>
+            </a:r>
+          </a:p>
+          <a:p>
+            <a:r>
+              <a:rPr kumimoji="0" lang="en-US" altLang="en-US" b="0" i="0" u="none" strike="noStrike" cap="none" normalizeH="0" baseline="0" dirty="0">
+                <a:ln>
+                  <a:noFill/>
+                </a:ln>
+                <a:solidFill>
+                  <a:srgbClr val="24292F"/>
+                </a:solidFill>
+                <a:effectLst/>
+                <a:latin typeface="Consolas" panose="020B0609020204030204" pitchFamily="49" charset="0"/>
+              </a:rPr>
+              <a:t>dotnet build {</a:t>
+            </a:r>
+            <a:r>
+              <a:rPr kumimoji="0" lang="en-US" altLang="en-US" b="0" i="0" u="none" strike="noStrike" cap="none" normalizeH="0" baseline="0" dirty="0" err="1">
+                <a:ln>
+                  <a:noFill/>
+                </a:ln>
+                <a:solidFill>
+                  <a:srgbClr val="24292F"/>
+                </a:solidFill>
+                <a:effectLst/>
+                <a:latin typeface="Consolas" panose="020B0609020204030204" pitchFamily="49" charset="0"/>
+              </a:rPr>
+              <a:t>ProjectName</a:t>
+            </a:r>
+            <a:r>
+              <a:rPr kumimoji="0" lang="en-US" altLang="en-US" b="0" i="0" u="none" strike="noStrike" cap="none" normalizeH="0" baseline="0" dirty="0">
+                <a:ln>
+                  <a:noFill/>
+                </a:ln>
+                <a:solidFill>
+                  <a:srgbClr val="24292F"/>
+                </a:solidFill>
+                <a:effectLst/>
+                <a:latin typeface="Consolas" panose="020B0609020204030204" pitchFamily="49" charset="0"/>
+              </a:rPr>
+              <a:t>} -</a:t>
+            </a:r>
+            <a:r>
+              <a:rPr kumimoji="0" lang="en-US" altLang="en-US" b="0" i="0" u="none" strike="noStrike" cap="none" normalizeH="0" baseline="0" dirty="0" err="1">
+                <a:ln>
+                  <a:noFill/>
+                </a:ln>
+                <a:solidFill>
+                  <a:srgbClr val="24292F"/>
+                </a:solidFill>
+                <a:effectLst/>
+                <a:latin typeface="Consolas" panose="020B0609020204030204" pitchFamily="49" charset="0"/>
+              </a:rPr>
+              <a:t>t:Run</a:t>
+            </a:r>
+            <a:r>
+              <a:rPr kumimoji="0" lang="en-US" altLang="en-US" b="0" i="0" u="none" strike="noStrike" cap="none" normalizeH="0" baseline="0" dirty="0">
+                <a:ln>
+                  <a:noFill/>
+                </a:ln>
+                <a:solidFill>
+                  <a:srgbClr val="24292F"/>
+                </a:solidFill>
+                <a:effectLst/>
+                <a:latin typeface="Consolas" panose="020B0609020204030204" pitchFamily="49" charset="0"/>
+              </a:rPr>
+              <a:t> -f net6.0-ios</a:t>
+            </a:r>
+            <a:endParaRPr kumimoji="0" lang="en-US" altLang="en-US" b="0" i="0" u="none" strike="noStrike" cap="none" normalizeH="0" baseline="0" dirty="0">
+              <a:ln>
+                <a:noFill/>
+              </a:ln>
+              <a:solidFill>
+                <a:schemeClr val="tx1"/>
+              </a:solidFill>
+              <a:effectLst/>
+              <a:latin typeface="Consolas" panose="020B0609020204030204" pitchFamily="49" charset="0"/>
+            </a:endParaRPr>
+          </a:p>
+          <a:p>
+            <a:pPr marL="0" marR="0" lvl="0" indent="0" algn="l" defTabSz="914400" rtl="0" eaLnBrk="0" fontAlgn="base" latinLnBrk="0" hangingPunct="0">
+              <a:lnSpc>
+                <a:spcPct val="100000"/>
+              </a:lnSpc>
+              <a:spcBef>
+                <a:spcPct val="0"/>
+              </a:spcBef>
+              <a:spcAft>
+                <a:spcPct val="0"/>
+              </a:spcAft>
+              <a:buClrTx/>
+              <a:buSzTx/>
+              <a:buFontTx/>
+              <a:buNone/>
+              <a:tabLst/>
+            </a:pPr>
+            <a:endParaRPr lang="en-US" altLang="en-US" dirty="0">
+              <a:solidFill>
+                <a:srgbClr val="24292F"/>
+              </a:solidFill>
+              <a:latin typeface="Consolas" panose="020B0609020204030204" pitchFamily="49" charset="0"/>
+            </a:endParaRPr>
+          </a:p>
+          <a:p>
+            <a:pPr marL="0" marR="0" lvl="0" indent="0" algn="l" defTabSz="914400" rtl="0" eaLnBrk="0" fontAlgn="base" latinLnBrk="0" hangingPunct="0">
+              <a:lnSpc>
+                <a:spcPct val="100000"/>
+              </a:lnSpc>
+              <a:spcBef>
+                <a:spcPct val="0"/>
+              </a:spcBef>
+              <a:spcAft>
+                <a:spcPct val="0"/>
+              </a:spcAft>
+              <a:buClrTx/>
+              <a:buSzTx/>
+              <a:buFontTx/>
+              <a:buNone/>
+              <a:tabLst/>
+            </a:pPr>
+            <a:endParaRPr kumimoji="0" lang="en-US" altLang="en-US" b="0" i="0" u="none" strike="noStrike" cap="none" normalizeH="0" baseline="0" dirty="0">
+              <a:ln>
+                <a:noFill/>
+              </a:ln>
+              <a:solidFill>
+                <a:schemeClr val="tx1"/>
+              </a:solidFill>
+              <a:effectLst/>
+              <a:latin typeface="Consolas" panose="020B0609020204030204" pitchFamily="49" charset="0"/>
+            </a:endParaRPr>
+          </a:p>
+        </p:txBody>
+      </p:sp>
+      <p:pic>
+        <p:nvPicPr>
+          <p:cNvPr id="8" name="Picture 8">
+            <a:extLst>
+              <a:ext uri="{FF2B5EF4-FFF2-40B4-BE49-F238E27FC236}">
+                <a16:creationId xmlns:a16="http://schemas.microsoft.com/office/drawing/2014/main" id="{3A31175A-F92D-48D1-B7D0-5474DBEF9D3A}"/>
+              </a:ext>
+            </a:extLst>
+          </p:cNvPr>
+          <p:cNvPicPr>
+            <a:picLocks noChangeAspect="1" noChangeArrowheads="1"/>
+          </p:cNvPicPr>
+          <p:nvPr/>
+        </p:nvPicPr>
+        <p:blipFill>
+          <a:blip r:embed="rId3">
+            <a:extLst>
+              <a:ext uri="{28A0092B-C50C-407E-A947-70E740481C1C}">
+                <a14:useLocalDpi xmlns:a14="http://schemas.microsoft.com/office/drawing/2010/main" val="0"/>
+              </a:ext>
+            </a:extLst>
+          </a:blip>
+          <a:srcRect/>
+          <a:stretch>
+            <a:fillRect/>
+          </a:stretch>
+        </p:blipFill>
+        <p:spPr bwMode="auto">
+          <a:xfrm>
+            <a:off x="4191000" y="3383265"/>
+            <a:ext cx="3810000" cy="6772275"/>
+          </a:xfrm>
+          <a:prstGeom prst="rect">
+            <a:avLst/>
+          </a:prstGeom>
+          <a:noFill/>
+          <a:extLst>
+            <a:ext uri="{909E8E84-426E-40DD-AFC4-6F175D3DCCD1}">
+              <a14:hiddenFill xmlns:a14="http://schemas.microsoft.com/office/drawing/2010/main">
+                <a:solidFill>
+                  <a:srgbClr val="FFFFFF"/>
+                </a:solidFill>
+              </a14:hiddenFill>
+            </a:ext>
+          </a:extLst>
+        </p:spPr>
+      </p:pic>
+    </p:spTree>
+    <p:extLst>
+      <p:ext uri="{BB962C8B-B14F-4D97-AF65-F5344CB8AC3E}">
+        <p14:creationId xmlns:p14="http://schemas.microsoft.com/office/powerpoint/2010/main" val="2306431242"/>
+      </p:ext>
+    </p:extLst>
+  </p:cSld>
+  <p:clrMapOvr>
+    <a:masterClrMapping/>
+  </p:clrMapOvr>
+  <p:timing>
+    <p:tnLst>
+      <p:par>
+        <p:cTn id="1" dur="indefinite" restart="never" nodeType="tmRoot">
+          <p:childTnLst>
+            <p:seq concurrent="1" nextAc="seek">
+              <p:cTn id="2" dur="indefinite" nodeType="mainSeq">
+                <p:childTnLst>
+                  <p:par>
+                    <p:cTn id="3" fill="hold">
+                      <p:stCondLst>
+                        <p:cond delay="indefinite"/>
+                        <p:cond evt="onBegin" delay="0">
+                          <p:tn val="2"/>
+                        </p:cond>
+                      </p:stCondLst>
+                      <p:childTnLst>
+                        <p:par>
+                          <p:cTn id="4" fill="hold">
+                            <p:stCondLst>
+                              <p:cond delay="0"/>
+                            </p:stCondLst>
+                            <p:childTnLst>
+                              <p:par>
+                                <p:cTn id="5" presetID="10" presetClass="entr" presetSubtype="0" fill="hold" grpId="0" nodeType="afterEffect">
+                                  <p:stCondLst>
+                                    <p:cond delay="0"/>
+                                  </p:stCondLst>
+                                  <p:childTnLst>
+                                    <p:set>
+                                      <p:cBhvr>
+                                        <p:cTn id="6" dur="1" fill="hold">
+                                          <p:stCondLst>
+                                            <p:cond delay="0"/>
+                                          </p:stCondLst>
+                                        </p:cTn>
+                                        <p:tgtEl>
+                                          <p:spTgt spid="11">
+                                            <p:txEl>
+                                              <p:pRg st="0" end="0"/>
+                                            </p:txEl>
+                                          </p:spTgt>
+                                        </p:tgtEl>
+                                        <p:attrNameLst>
+                                          <p:attrName>style.visibility</p:attrName>
+                                        </p:attrNameLst>
+                                      </p:cBhvr>
+                                      <p:to>
+                                        <p:strVal val="visible"/>
+                                      </p:to>
+                                    </p:set>
+                                    <p:animEffect transition="in" filter="fade">
+                                      <p:cBhvr>
+                                        <p:cTn id="7" dur="500"/>
+                                        <p:tgtEl>
+                                          <p:spTgt spid="11">
+                                            <p:txEl>
+                                              <p:pRg st="0" end="0"/>
+                                            </p:txEl>
+                                          </p:spTgt>
+                                        </p:tgtEl>
+                                      </p:cBhvr>
+                                    </p:animEffect>
+                                  </p:childTnLst>
+                                </p:cTn>
+                              </p:par>
+                            </p:childTnLst>
+                          </p:cTn>
+                        </p:par>
+                      </p:childTnLst>
+                    </p:cTn>
+                  </p:par>
+                </p:childTnLst>
+              </p:cTn>
+              <p:prevCondLst>
+                <p:cond evt="onPrev" delay="0">
+                  <p:tgtEl>
+                    <p:sldTgt/>
+                  </p:tgtEl>
+                </p:cond>
+              </p:prevCondLst>
+              <p:nextCondLst>
+                <p:cond evt="onNext" delay="0">
+                  <p:tgtEl>
+                    <p:sldTgt/>
+                  </p:tgtEl>
+                </p:cond>
+              </p:nextCondLst>
+            </p:seq>
+          </p:childTnLst>
+        </p:cTn>
+      </p:par>
+    </p:tnLst>
+    <p:bldLst>
+      <p:bldP spid="11" grpId="0" uiExpand="1" build="p"/>
+    </p:bldLst>
+  </p:timing>
+</p:sld>
+</file>
+
+<file path=ppt/slides/slide6.xml><?xml version="1.0" encoding="utf-8"?>
 <p:sld xmlns:a="http://schemas.openxmlformats.org/drawingml/2006/main" xmlns:r="http://schemas.openxmlformats.org/officeDocument/2006/relationships" xmlns:p="http://schemas.openxmlformats.org/presentationml/2006/main">
   <p:cSld>
     <p:spTree>
